--- a/Meetings/TIP - 10-06-2020.pptx
+++ b/Meetings/TIP - 10-06-2020.pptx
@@ -379,7 +379,7 @@
           <a:p>
             <a:fld id="{F5A3E3EB-3873-4FF1-9BD1-827B46B254D8}" type="datetimeFigureOut">
               <a:rPr lang="en-IN" smtClean="0"/>
-              <a:t>10-06-2020</a:t>
+              <a:t>17-06-2020</a:t>
             </a:fld>
             <a:endParaRPr lang="en-IN"/>
           </a:p>
@@ -4530,7 +4530,7 @@
           <a:p>
             <a:fld id="{CAFC3C94-B856-42EB-9356-C4F55524C93C}" type="datetime2">
               <a:rPr lang="en-US" smtClean="0"/>
-              <a:t>Wednesday, June 10, 2020</a:t>
+              <a:t>Wednesday, June 17, 2020</a:t>
             </a:fld>
             <a:endParaRPr/>
           </a:p>
@@ -5235,7 +5235,7 @@
           <a:p>
             <a:fld id="{4256813B-7FAF-47B8-BA18-7D0E01286269}" type="datetime2">
               <a:rPr lang="en-US" smtClean="0"/>
-              <a:t>Wednesday, June 10, 2020</a:t>
+              <a:t>Wednesday, June 17, 2020</a:t>
             </a:fld>
             <a:endParaRPr/>
           </a:p>
@@ -5940,7 +5940,7 @@
           <a:p>
             <a:fld id="{94D59422-B9C7-46D0-99E1-1223B8353542}" type="datetime2">
               <a:rPr lang="en-US" smtClean="0"/>
-              <a:t>Wednesday, June 10, 2020</a:t>
+              <a:t>Wednesday, June 17, 2020</a:t>
             </a:fld>
             <a:endParaRPr/>
           </a:p>
@@ -6645,7 +6645,7 @@
           <a:p>
             <a:fld id="{E580708D-5BE8-485F-83A8-70647A23E1F7}" type="datetime2">
               <a:rPr lang="en-US" smtClean="0"/>
-              <a:t>Wednesday, June 10, 2020</a:t>
+              <a:t>Wednesday, June 17, 2020</a:t>
             </a:fld>
             <a:endParaRPr/>
           </a:p>
@@ -7387,7 +7387,7 @@
           <a:p>
             <a:fld id="{03C688C8-FD92-4B38-BA9D-0E69E28C2B43}" type="datetime2">
               <a:rPr lang="en-US" smtClean="0"/>
-              <a:t>Wednesday, June 10, 2020</a:t>
+              <a:t>Wednesday, June 17, 2020</a:t>
             </a:fld>
             <a:endParaRPr/>
           </a:p>
@@ -8252,7 +8252,7 @@
           <a:p>
             <a:fld id="{32551F0F-93F0-44BB-8EC9-223C3CD0680E}" type="datetime2">
               <a:rPr lang="en-US" smtClean="0"/>
-              <a:t>Wednesday, June 10, 2020</a:t>
+              <a:t>Wednesday, June 17, 2020</a:t>
             </a:fld>
             <a:endParaRPr/>
           </a:p>
@@ -9438,7 +9438,7 @@
           <a:p>
             <a:fld id="{C7EBE5F5-C9EB-4D3D-88CA-81F4D5023532}" type="datetime2">
               <a:rPr lang="en-US" smtClean="0"/>
-              <a:t>Wednesday, June 10, 2020</a:t>
+              <a:t>Wednesday, June 17, 2020</a:t>
             </a:fld>
             <a:endParaRPr/>
           </a:p>
@@ -9983,7 +9983,7 @@
           <a:p>
             <a:fld id="{CEC3D1CD-09A6-464E-A126-843AAE4EEECA}" type="datetime2">
               <a:rPr lang="en-US" smtClean="0"/>
-              <a:t>Wednesday, June 10, 2020</a:t>
+              <a:t>Wednesday, June 17, 2020</a:t>
             </a:fld>
             <a:endParaRPr/>
           </a:p>
@@ -10392,7 +10392,7 @@
           <a:p>
             <a:fld id="{26674BC7-05AC-4163-880B-1812160A7A74}" type="datetime2">
               <a:rPr lang="en-US" smtClean="0"/>
-              <a:t>Wednesday, June 10, 2020</a:t>
+              <a:t>Wednesday, June 17, 2020</a:t>
             </a:fld>
             <a:endParaRPr/>
           </a:p>
@@ -11258,7 +11258,7 @@
           <a:p>
             <a:fld id="{4A848557-B32E-4A3E-BE5D-F19436A67598}" type="datetime2">
               <a:rPr lang="en-US" smtClean="0"/>
-              <a:t>Wednesday, June 10, 2020</a:t>
+              <a:t>Wednesday, June 17, 2020</a:t>
             </a:fld>
             <a:endParaRPr/>
           </a:p>
@@ -12205,7 +12205,7 @@
           <a:p>
             <a:fld id="{B98D4A07-BFB4-4531-A9D2-6BB3FD11AD6F}" type="datetime2">
               <a:rPr lang="en-US" smtClean="0"/>
-              <a:t>Wednesday, June 10, 2020</a:t>
+              <a:t>Wednesday, June 17, 2020</a:t>
             </a:fld>
             <a:endParaRPr/>
           </a:p>
@@ -13085,7 +13085,7 @@
           <a:p>
             <a:fld id="{CE29E9FE-CCC5-48C0-BEEA-74CFE93B8667}" type="datetime2">
               <a:rPr lang="en-US" smtClean="0"/>
-              <a:t>Wednesday, June 10, 2020</a:t>
+              <a:t>Wednesday, June 17, 2020</a:t>
             </a:fld>
             <a:endParaRPr/>
           </a:p>
@@ -14258,14 +14258,17 @@
                 <a:solidFill>
                   <a:schemeClr val="dk1"/>
                 </a:solidFill>
-                <a:latin typeface="Times New Roman"/>
+                <a:latin typeface="Times New Roman" panose="02020603050405020304" pitchFamily="18" charset="0"/>
                 <a:ea typeface="Times New Roman"/>
-                <a:cs typeface="Times New Roman"/>
+                <a:cs typeface="Times New Roman" panose="02020603050405020304" pitchFamily="18" charset="0"/>
                 <a:sym typeface="Times New Roman"/>
               </a:rPr>
               <a:t>Team Members:</a:t>
             </a:r>
-            <a:endParaRPr sz="2300" dirty="0"/>
+            <a:endParaRPr sz="2300" dirty="0">
+              <a:latin typeface="Times New Roman" panose="02020603050405020304" pitchFamily="18" charset="0"/>
+              <a:cs typeface="Times New Roman" panose="02020603050405020304" pitchFamily="18" charset="0"/>
+            </a:endParaRPr>
           </a:p>
           <a:p>
             <a:pPr marL="0" lvl="0" indent="0" algn="just" rtl="0">
@@ -14288,9 +14291,9 @@
               <a:solidFill>
                 <a:schemeClr val="dk1"/>
               </a:solidFill>
-              <a:latin typeface="Times New Roman"/>
+              <a:latin typeface="Times New Roman" panose="02020603050405020304" pitchFamily="18" charset="0"/>
               <a:ea typeface="Times New Roman"/>
-              <a:cs typeface="Times New Roman"/>
+              <a:cs typeface="Times New Roman" panose="02020603050405020304" pitchFamily="18" charset="0"/>
               <a:sym typeface="Times New Roman"/>
             </a:endParaRPr>
           </a:p>
@@ -14316,14 +14319,17 @@
                 <a:solidFill>
                   <a:srgbClr val="000000"/>
                 </a:solidFill>
-                <a:latin typeface="Times New Roman"/>
+                <a:latin typeface="Times New Roman" panose="02020603050405020304" pitchFamily="18" charset="0"/>
                 <a:ea typeface="Times New Roman"/>
-                <a:cs typeface="Times New Roman"/>
+                <a:cs typeface="Times New Roman" panose="02020603050405020304" pitchFamily="18" charset="0"/>
                 <a:sym typeface="Times New Roman"/>
               </a:rPr>
               <a:t>Dipanshu Agarwal(N-201)</a:t>
             </a:r>
-            <a:endParaRPr sz="2300" dirty="0"/>
+            <a:endParaRPr sz="2300" dirty="0">
+              <a:latin typeface="Times New Roman" panose="02020603050405020304" pitchFamily="18" charset="0"/>
+              <a:cs typeface="Times New Roman" panose="02020603050405020304" pitchFamily="18" charset="0"/>
+            </a:endParaRPr>
           </a:p>
           <a:p>
             <a:pPr marL="0" lvl="0" indent="0" algn="just" rtl="0">
@@ -14347,13 +14353,16 @@
                 <a:solidFill>
                   <a:srgbClr val="000000"/>
                 </a:solidFill>
-                <a:latin typeface="Times New Roman"/>
-                <a:cs typeface="Times New Roman"/>
+                <a:latin typeface="Times New Roman" panose="02020603050405020304" pitchFamily="18" charset="0"/>
+                <a:cs typeface="Times New Roman" panose="02020603050405020304" pitchFamily="18" charset="0"/>
                 <a:sym typeface="Times New Roman"/>
               </a:rPr>
               <a:t>Riya Airen(N-204)</a:t>
             </a:r>
-            <a:endParaRPr sz="2300" dirty="0"/>
+            <a:endParaRPr sz="2300" dirty="0">
+              <a:latin typeface="Times New Roman" panose="02020603050405020304" pitchFamily="18" charset="0"/>
+              <a:cs typeface="Times New Roman" panose="02020603050405020304" pitchFamily="18" charset="0"/>
+            </a:endParaRPr>
           </a:p>
           <a:p>
             <a:pPr marL="0" lvl="0" indent="0" algn="just" rtl="0">
@@ -14377,13 +14386,16 @@
                 <a:solidFill>
                   <a:srgbClr val="000000"/>
                 </a:solidFill>
-                <a:latin typeface="Times New Roman"/>
-                <a:cs typeface="Times New Roman"/>
+                <a:latin typeface="Times New Roman" panose="02020603050405020304" pitchFamily="18" charset="0"/>
+                <a:cs typeface="Times New Roman" panose="02020603050405020304" pitchFamily="18" charset="0"/>
                 <a:sym typeface="Times New Roman"/>
               </a:rPr>
               <a:t>Saurabh Ajit(N-205)</a:t>
             </a:r>
-            <a:endParaRPr sz="2300" dirty="0"/>
+            <a:endParaRPr sz="2300" dirty="0">
+              <a:latin typeface="Times New Roman" panose="02020603050405020304" pitchFamily="18" charset="0"/>
+              <a:cs typeface="Times New Roman" panose="02020603050405020304" pitchFamily="18" charset="0"/>
+            </a:endParaRPr>
           </a:p>
           <a:p>
             <a:pPr marL="0" lvl="0" indent="0" algn="l" rtl="0">
@@ -14447,7 +14459,7 @@
           </a:bodyPr>
           <a:lstStyle/>
           <a:p>
-            <a:pPr marL="0" lvl="0" indent="0" algn="l" rtl="0">
+            <a:pPr marL="0" lvl="0" indent="0" rtl="0">
               <a:lnSpc>
                 <a:spcPct val="115000"/>
               </a:lnSpc>
@@ -14465,35 +14477,53 @@
               <a:buNone/>
             </a:pPr>
             <a:r>
+              <a:rPr lang="en-US" sz="2500" b="1" dirty="0" smtClean="0">
+                <a:latin typeface="Times New Roman" panose="02020603050405020304" pitchFamily="18" charset="0"/>
+                <a:ea typeface="Arial"/>
+                <a:cs typeface="Times New Roman" panose="02020603050405020304" pitchFamily="18" charset="0"/>
+                <a:sym typeface="Arial"/>
+              </a:rPr>
+              <a:t>STOCK MARKET FORECASTING</a:t>
+            </a:r>
+            <a:r>
               <a:rPr lang="en-US" sz="2500" b="1" dirty="0">
-                <a:latin typeface="Arial"/>
+                <a:latin typeface="Times New Roman" panose="02020603050405020304" pitchFamily="18" charset="0"/>
                 <a:ea typeface="Arial"/>
-                <a:cs typeface="Arial"/>
+                <a:cs typeface="Times New Roman" panose="02020603050405020304" pitchFamily="18" charset="0"/>
                 <a:sym typeface="Arial"/>
               </a:rPr>
-              <a:t>               STOCK MARKET FORECASTING</a:t>
+              <a:t/>
             </a:r>
             <a:br>
               <a:rPr lang="en-US" sz="2500" b="1" dirty="0">
-                <a:latin typeface="Arial"/>
+                <a:latin typeface="Times New Roman" panose="02020603050405020304" pitchFamily="18" charset="0"/>
                 <a:ea typeface="Arial"/>
-                <a:cs typeface="Arial"/>
+                <a:cs typeface="Times New Roman" panose="02020603050405020304" pitchFamily="18" charset="0"/>
                 <a:sym typeface="Arial"/>
               </a:rPr>
             </a:br>
             <a:r>
+              <a:rPr lang="en-US" sz="2500" b="1" dirty="0" smtClean="0">
+                <a:latin typeface="Times New Roman" panose="02020603050405020304" pitchFamily="18" charset="0"/>
+                <a:ea typeface="Arial"/>
+                <a:cs typeface="Times New Roman" panose="02020603050405020304" pitchFamily="18" charset="0"/>
+                <a:sym typeface="Arial"/>
+              </a:rPr>
+              <a:t>(Using </a:t>
+            </a:r>
+            <a:r>
               <a:rPr lang="en-US" sz="2500" b="1" dirty="0">
-                <a:latin typeface="Arial"/>
+                <a:latin typeface="Times New Roman" panose="02020603050405020304" pitchFamily="18" charset="0"/>
                 <a:ea typeface="Arial"/>
-                <a:cs typeface="Arial"/>
+                <a:cs typeface="Times New Roman" panose="02020603050405020304" pitchFamily="18" charset="0"/>
                 <a:sym typeface="Arial"/>
               </a:rPr>
-              <a:t>	        (Using Time Series Analysis)</a:t>
+              <a:t>Time Series Analysis)</a:t>
             </a:r>
             <a:endParaRPr sz="2500" b="1" dirty="0">
-              <a:latin typeface="Times New Roman"/>
+              <a:latin typeface="Times New Roman" panose="02020603050405020304" pitchFamily="18" charset="0"/>
               <a:ea typeface="Times New Roman"/>
-              <a:cs typeface="Times New Roman"/>
+              <a:cs typeface="Times New Roman" panose="02020603050405020304" pitchFamily="18" charset="0"/>
               <a:sym typeface="Times New Roman"/>
             </a:endParaRPr>
           </a:p>
@@ -14543,14 +14573,17 @@
                 <a:solidFill>
                   <a:schemeClr val="dk1"/>
                 </a:solidFill>
-                <a:latin typeface="Times New Roman"/>
+                <a:latin typeface="Times New Roman" panose="02020603050405020304" pitchFamily="18" charset="0"/>
                 <a:ea typeface="Times New Roman"/>
-                <a:cs typeface="Times New Roman"/>
+                <a:cs typeface="Times New Roman" panose="02020603050405020304" pitchFamily="18" charset="0"/>
                 <a:sym typeface="Times New Roman"/>
               </a:rPr>
               <a:t>Project Mentor(s):</a:t>
             </a:r>
-            <a:endParaRPr sz="2300" dirty="0"/>
+            <a:endParaRPr sz="2300" dirty="0">
+              <a:latin typeface="Times New Roman" panose="02020603050405020304" pitchFamily="18" charset="0"/>
+              <a:cs typeface="Times New Roman" panose="02020603050405020304" pitchFamily="18" charset="0"/>
+            </a:endParaRPr>
           </a:p>
           <a:p>
             <a:pPr marL="0" marR="0" lvl="0" indent="0" algn="l" rtl="0">
@@ -14572,9 +14605,9 @@
                 <a:solidFill>
                   <a:schemeClr val="dk1"/>
                 </a:solidFill>
-                <a:latin typeface="Times New Roman"/>
+                <a:latin typeface="Times New Roman" panose="02020603050405020304" pitchFamily="18" charset="0"/>
                 <a:ea typeface="Times New Roman"/>
-                <a:cs typeface="Times New Roman"/>
+                <a:cs typeface="Times New Roman" panose="02020603050405020304" pitchFamily="18" charset="0"/>
                 <a:sym typeface="Times New Roman"/>
               </a:rPr>
               <a:t>Ms. Varsha Nemade            </a:t>
@@ -14583,9 +14616,9 @@
               <a:solidFill>
                 <a:srgbClr val="888888"/>
               </a:solidFill>
-              <a:latin typeface="Calibri"/>
+              <a:latin typeface="Times New Roman" panose="02020603050405020304" pitchFamily="18" charset="0"/>
               <a:ea typeface="Calibri"/>
-              <a:cs typeface="Calibri"/>
+              <a:cs typeface="Times New Roman" panose="02020603050405020304" pitchFamily="18" charset="0"/>
               <a:sym typeface="Calibri"/>
             </a:endParaRPr>
           </a:p>
@@ -14639,7 +14672,10 @@
           <a:lstStyle/>
           <a:p>
             <a:r>
-              <a:rPr lang="en-IN" dirty="0"/>
+              <a:rPr lang="en-IN" dirty="0">
+                <a:latin typeface="Times New Roman" panose="02020603050405020304" pitchFamily="18" charset="0"/>
+                <a:cs typeface="Times New Roman" panose="02020603050405020304" pitchFamily="18" charset="0"/>
+              </a:rPr>
               <a:t>Fundamentals of Trading</a:t>
             </a:r>
           </a:p>
@@ -14662,7 +14698,7 @@
           <a:p>
             <a:fld id="{E580708D-5BE8-485F-83A8-70647A23E1F7}" type="datetime2">
               <a:rPr lang="en-US" smtClean="0"/>
-              <a:t>Wednesday, June 10, 2020</a:t>
+              <a:t>Wednesday, June 17, 2020</a:t>
             </a:fld>
             <a:endParaRPr lang="en-US"/>
           </a:p>
@@ -14748,8 +14784,9 @@
             <a:pPr algn="just"/>
             <a:r>
               <a:rPr lang="en-IN" sz="2000" dirty="0">
-                <a:latin typeface="Cambria" panose="02040503050406030204" pitchFamily="18" charset="0"/>
+                <a:latin typeface="Times New Roman" panose="02020603050405020304" pitchFamily="18" charset="0"/>
                 <a:ea typeface="Cambria" panose="02040503050406030204" pitchFamily="18" charset="0"/>
+                <a:cs typeface="Times New Roman" panose="02020603050405020304" pitchFamily="18" charset="0"/>
               </a:rPr>
               <a:t>The Color of the Bar i.e. Red or Green denotes that the stock closed on a Lower price or a Higher Price respectively on that particular day. </a:t>
             </a:r>
@@ -14758,8 +14795,9 @@
             <a:pPr algn="just"/>
             <a:r>
               <a:rPr lang="en-IN" sz="2000" dirty="0">
-                <a:latin typeface="Cambria" panose="02040503050406030204" pitchFamily="18" charset="0"/>
+                <a:latin typeface="Times New Roman" panose="02020603050405020304" pitchFamily="18" charset="0"/>
                 <a:ea typeface="Cambria" panose="02040503050406030204" pitchFamily="18" charset="0"/>
+                <a:cs typeface="Times New Roman" panose="02020603050405020304" pitchFamily="18" charset="0"/>
               </a:rPr>
               <a:t> </a:t>
             </a:r>
@@ -14768,22 +14806,25 @@
             <a:pPr algn="just"/>
             <a:r>
               <a:rPr lang="en-IN" sz="2000" dirty="0">
-                <a:latin typeface="Cambria" panose="02040503050406030204" pitchFamily="18" charset="0"/>
+                <a:latin typeface="Times New Roman" panose="02020603050405020304" pitchFamily="18" charset="0"/>
                 <a:ea typeface="Cambria" panose="02040503050406030204" pitchFamily="18" charset="0"/>
+                <a:cs typeface="Times New Roman" panose="02020603050405020304" pitchFamily="18" charset="0"/>
               </a:rPr>
               <a:t>From the </a:t>
             </a:r>
             <a:r>
               <a:rPr lang="en-IN" sz="2000" dirty="0" smtClean="0">
-                <a:latin typeface="Cambria" panose="02040503050406030204" pitchFamily="18" charset="0"/>
+                <a:latin typeface="Times New Roman" panose="02020603050405020304" pitchFamily="18" charset="0"/>
                 <a:ea typeface="Cambria" panose="02040503050406030204" pitchFamily="18" charset="0"/>
+                <a:cs typeface="Times New Roman" panose="02020603050405020304" pitchFamily="18" charset="0"/>
               </a:rPr>
               <a:t>colours </a:t>
             </a:r>
             <a:r>
               <a:rPr lang="en-IN" sz="2000" dirty="0">
-                <a:latin typeface="Cambria" panose="02040503050406030204" pitchFamily="18" charset="0"/>
+                <a:latin typeface="Times New Roman" panose="02020603050405020304" pitchFamily="18" charset="0"/>
                 <a:ea typeface="Cambria" panose="02040503050406030204" pitchFamily="18" charset="0"/>
+                <a:cs typeface="Times New Roman" panose="02020603050405020304" pitchFamily="18" charset="0"/>
               </a:rPr>
               <a:t>we can also conclude that Red or Black means there are a more number of buyers is more in the market as they will try to drive the price of security down so as to buy it at a low cost, and Green or White means that the numbers of seller of that particular security is more as they will try to drive the price higher so as to earn maximum profit on selling the security. </a:t>
             </a:r>
@@ -14792,8 +14833,9 @@
             <a:pPr algn="just"/>
             <a:r>
               <a:rPr lang="en-IN" sz="2000" dirty="0">
-                <a:latin typeface="Cambria" panose="02040503050406030204" pitchFamily="18" charset="0"/>
+                <a:latin typeface="Times New Roman" panose="02020603050405020304" pitchFamily="18" charset="0"/>
                 <a:ea typeface="Cambria" panose="02040503050406030204" pitchFamily="18" charset="0"/>
+                <a:cs typeface="Times New Roman" panose="02020603050405020304" pitchFamily="18" charset="0"/>
               </a:rPr>
               <a:t> </a:t>
             </a:r>
@@ -14802,21 +14844,24 @@
             <a:pPr algn="just"/>
             <a:r>
               <a:rPr lang="en-IN" sz="2000" dirty="0">
-                <a:latin typeface="Cambria" panose="02040503050406030204" pitchFamily="18" charset="0"/>
+                <a:latin typeface="Times New Roman" panose="02020603050405020304" pitchFamily="18" charset="0"/>
                 <a:ea typeface="Cambria" panose="02040503050406030204" pitchFamily="18" charset="0"/>
+                <a:cs typeface="Times New Roman" panose="02020603050405020304" pitchFamily="18" charset="0"/>
               </a:rPr>
               <a:t> There is a third state which is known as a consolidated state, in which the number of buyers and sellers for a security are the same in the market. In this case, it is denoted using a simple horizontal line</a:t>
             </a:r>
             <a:r>
               <a:rPr lang="en-IN" sz="2000" dirty="0" smtClean="0">
-                <a:latin typeface="Cambria" panose="02040503050406030204" pitchFamily="18" charset="0"/>
+                <a:latin typeface="Times New Roman" panose="02020603050405020304" pitchFamily="18" charset="0"/>
                 <a:ea typeface="Cambria" panose="02040503050406030204" pitchFamily="18" charset="0"/>
+                <a:cs typeface="Times New Roman" panose="02020603050405020304" pitchFamily="18" charset="0"/>
               </a:rPr>
               <a:t>.</a:t>
             </a:r>
             <a:endParaRPr lang="en-IN" sz="2000" dirty="0">
-              <a:latin typeface="Cambria" panose="02040503050406030204" pitchFamily="18" charset="0"/>
+              <a:latin typeface="Times New Roman" panose="02020603050405020304" pitchFamily="18" charset="0"/>
               <a:ea typeface="Cambria" panose="02040503050406030204" pitchFamily="18" charset="0"/>
+              <a:cs typeface="Times New Roman" panose="02020603050405020304" pitchFamily="18" charset="0"/>
             </a:endParaRPr>
           </a:p>
         </p:txBody>
@@ -14874,7 +14919,10 @@
           <a:lstStyle/>
           <a:p>
             <a:r>
-              <a:rPr lang="en-IN" dirty="0"/>
+              <a:rPr lang="en-IN" dirty="0">
+                <a:latin typeface="Times New Roman" panose="02020603050405020304" pitchFamily="18" charset="0"/>
+                <a:cs typeface="Times New Roman" panose="02020603050405020304" pitchFamily="18" charset="0"/>
+              </a:rPr>
               <a:t>Fundamentals of Trading</a:t>
             </a:r>
           </a:p>
@@ -14897,7 +14945,7 @@
           <a:p>
             <a:fld id="{E580708D-5BE8-485F-83A8-70647A23E1F7}" type="datetime2">
               <a:rPr lang="en-US" smtClean="0"/>
-              <a:t>Wednesday, June 10, 2020</a:t>
+              <a:t>Wednesday, June 17, 2020</a:t>
             </a:fld>
             <a:endParaRPr lang="en-US"/>
           </a:p>
@@ -15040,7 +15088,10 @@
           <a:lstStyle/>
           <a:p>
             <a:r>
-              <a:rPr lang="en-IN" dirty="0"/>
+              <a:rPr lang="en-IN" dirty="0">
+                <a:latin typeface="Times New Roman" panose="02020603050405020304" pitchFamily="18" charset="0"/>
+                <a:cs typeface="Times New Roman" panose="02020603050405020304" pitchFamily="18" charset="0"/>
+              </a:rPr>
               <a:t>Fundamentals of Trading</a:t>
             </a:r>
           </a:p>
@@ -15071,92 +15122,105 @@
             </a:pPr>
             <a:r>
               <a:rPr lang="en-IN" sz="2000" dirty="0">
-                <a:latin typeface="Cambria" panose="02040503050406030204" pitchFamily="18" charset="0"/>
+                <a:latin typeface="Times New Roman" panose="02020603050405020304" pitchFamily="18" charset="0"/>
                 <a:ea typeface="Cambria" panose="02040503050406030204" pitchFamily="18" charset="0"/>
+                <a:cs typeface="Times New Roman" panose="02020603050405020304" pitchFamily="18" charset="0"/>
               </a:rPr>
               <a:t>The main factors which bring about a huge change in the variance and mean of the security prices are</a:t>
             </a:r>
             <a:r>
               <a:rPr lang="en-IN" sz="2000" dirty="0" smtClean="0">
-                <a:latin typeface="Cambria" panose="02040503050406030204" pitchFamily="18" charset="0"/>
+                <a:latin typeface="Times New Roman" panose="02020603050405020304" pitchFamily="18" charset="0"/>
                 <a:ea typeface="Cambria" panose="02040503050406030204" pitchFamily="18" charset="0"/>
+                <a:cs typeface="Times New Roman" panose="02020603050405020304" pitchFamily="18" charset="0"/>
               </a:rPr>
               <a:t>:-</a:t>
             </a:r>
             <a:endParaRPr lang="en-IN" sz="2000" dirty="0">
-              <a:latin typeface="Cambria" panose="02040503050406030204" pitchFamily="18" charset="0"/>
+              <a:latin typeface="Times New Roman" panose="02020603050405020304" pitchFamily="18" charset="0"/>
               <a:ea typeface="Cambria" panose="02040503050406030204" pitchFamily="18" charset="0"/>
+              <a:cs typeface="Times New Roman" panose="02020603050405020304" pitchFamily="18" charset="0"/>
             </a:endParaRPr>
           </a:p>
           <a:p>
             <a:pPr lvl="0" algn="just"/>
             <a:r>
               <a:rPr lang="en-IN" sz="2000" b="1" dirty="0">
-                <a:latin typeface="Cambria" panose="02040503050406030204" pitchFamily="18" charset="0"/>
+                <a:latin typeface="Times New Roman" panose="02020603050405020304" pitchFamily="18" charset="0"/>
                 <a:ea typeface="Cambria" panose="02040503050406030204" pitchFamily="18" charset="0"/>
+                <a:cs typeface="Times New Roman" panose="02020603050405020304" pitchFamily="18" charset="0"/>
               </a:rPr>
               <a:t>Buyer and Seller</a:t>
             </a:r>
             <a:endParaRPr lang="en-IN" sz="2000" dirty="0">
-              <a:latin typeface="Cambria" panose="02040503050406030204" pitchFamily="18" charset="0"/>
+              <a:latin typeface="Times New Roman" panose="02020603050405020304" pitchFamily="18" charset="0"/>
               <a:ea typeface="Cambria" panose="02040503050406030204" pitchFamily="18" charset="0"/>
+              <a:cs typeface="Times New Roman" panose="02020603050405020304" pitchFamily="18" charset="0"/>
             </a:endParaRPr>
           </a:p>
           <a:p>
             <a:pPr lvl="0" algn="just"/>
             <a:r>
               <a:rPr lang="en-IN" sz="2000" b="1" dirty="0">
-                <a:latin typeface="Cambria" panose="02040503050406030204" pitchFamily="18" charset="0"/>
+                <a:latin typeface="Times New Roman" panose="02020603050405020304" pitchFamily="18" charset="0"/>
                 <a:ea typeface="Cambria" panose="02040503050406030204" pitchFamily="18" charset="0"/>
+                <a:cs typeface="Times New Roman" panose="02020603050405020304" pitchFamily="18" charset="0"/>
               </a:rPr>
               <a:t>IPO: - </a:t>
             </a:r>
             <a:r>
               <a:rPr lang="en-IN" sz="2000" dirty="0">
-                <a:latin typeface="Cambria" panose="02040503050406030204" pitchFamily="18" charset="0"/>
+                <a:latin typeface="Times New Roman" panose="02020603050405020304" pitchFamily="18" charset="0"/>
                 <a:ea typeface="Cambria" panose="02040503050406030204" pitchFamily="18" charset="0"/>
+                <a:cs typeface="Times New Roman" panose="02020603050405020304" pitchFamily="18" charset="0"/>
               </a:rPr>
               <a:t>stand for Initial Public Offering. When the news media report that a company is "going public," this </a:t>
             </a:r>
             <a:r>
               <a:rPr lang="en-IN" sz="2000" b="1" dirty="0">
-                <a:latin typeface="Cambria" panose="02040503050406030204" pitchFamily="18" charset="0"/>
+                <a:latin typeface="Times New Roman" panose="02020603050405020304" pitchFamily="18" charset="0"/>
                 <a:ea typeface="Cambria" panose="02040503050406030204" pitchFamily="18" charset="0"/>
+                <a:cs typeface="Times New Roman" panose="02020603050405020304" pitchFamily="18" charset="0"/>
               </a:rPr>
               <a:t>means</a:t>
             </a:r>
             <a:r>
               <a:rPr lang="en-IN" sz="2000" dirty="0">
-                <a:latin typeface="Cambria" panose="02040503050406030204" pitchFamily="18" charset="0"/>
+                <a:latin typeface="Times New Roman" panose="02020603050405020304" pitchFamily="18" charset="0"/>
                 <a:ea typeface="Cambria" panose="02040503050406030204" pitchFamily="18" charset="0"/>
+                <a:cs typeface="Times New Roman" panose="02020603050405020304" pitchFamily="18" charset="0"/>
               </a:rPr>
               <a:t> that company is making an </a:t>
             </a:r>
             <a:r>
               <a:rPr lang="en-IN" sz="2000" b="1" dirty="0">
-                <a:latin typeface="Cambria" panose="02040503050406030204" pitchFamily="18" charset="0"/>
+                <a:latin typeface="Times New Roman" panose="02020603050405020304" pitchFamily="18" charset="0"/>
                 <a:ea typeface="Cambria" panose="02040503050406030204" pitchFamily="18" charset="0"/>
+                <a:cs typeface="Times New Roman" panose="02020603050405020304" pitchFamily="18" charset="0"/>
               </a:rPr>
               <a:t>initial public offering</a:t>
             </a:r>
             <a:r>
               <a:rPr lang="en-IN" sz="2000" dirty="0">
-                <a:latin typeface="Cambria" panose="02040503050406030204" pitchFamily="18" charset="0"/>
+                <a:latin typeface="Times New Roman" panose="02020603050405020304" pitchFamily="18" charset="0"/>
                 <a:ea typeface="Cambria" panose="02040503050406030204" pitchFamily="18" charset="0"/>
+                <a:cs typeface="Times New Roman" panose="02020603050405020304" pitchFamily="18" charset="0"/>
               </a:rPr>
               <a:t>. This </a:t>
             </a:r>
             <a:r>
               <a:rPr lang="en-IN" sz="2000" b="1" dirty="0">
-                <a:latin typeface="Cambria" panose="02040503050406030204" pitchFamily="18" charset="0"/>
+                <a:latin typeface="Times New Roman" panose="02020603050405020304" pitchFamily="18" charset="0"/>
                 <a:ea typeface="Cambria" panose="02040503050406030204" pitchFamily="18" charset="0"/>
+                <a:cs typeface="Times New Roman" panose="02020603050405020304" pitchFamily="18" charset="0"/>
               </a:rPr>
               <a:t>means</a:t>
             </a:r>
             <a:r>
               <a:rPr lang="en-IN" sz="2000" dirty="0">
-                <a:latin typeface="Cambria" panose="02040503050406030204" pitchFamily="18" charset="0"/>
+                <a:latin typeface="Times New Roman" panose="02020603050405020304" pitchFamily="18" charset="0"/>
                 <a:ea typeface="Cambria" panose="02040503050406030204" pitchFamily="18" charset="0"/>
+                <a:cs typeface="Times New Roman" panose="02020603050405020304" pitchFamily="18" charset="0"/>
               </a:rPr>
               <a:t> that the company is offering its shares for sale to the public for the first time.</a:t>
             </a:r>
@@ -15165,29 +15229,33 @@
             <a:pPr lvl="0" algn="just"/>
             <a:r>
               <a:rPr lang="en-IN" sz="2000" b="1" dirty="0">
-                <a:latin typeface="Cambria" panose="02040503050406030204" pitchFamily="18" charset="0"/>
+                <a:latin typeface="Times New Roman" panose="02020603050405020304" pitchFamily="18" charset="0"/>
                 <a:ea typeface="Cambria" panose="02040503050406030204" pitchFamily="18" charset="0"/>
+                <a:cs typeface="Times New Roman" panose="02020603050405020304" pitchFamily="18" charset="0"/>
               </a:rPr>
               <a:t>Pandemics</a:t>
             </a:r>
             <a:endParaRPr lang="en-IN" sz="2000" dirty="0">
-              <a:latin typeface="Cambria" panose="02040503050406030204" pitchFamily="18" charset="0"/>
+              <a:latin typeface="Times New Roman" panose="02020603050405020304" pitchFamily="18" charset="0"/>
               <a:ea typeface="Cambria" panose="02040503050406030204" pitchFamily="18" charset="0"/>
+              <a:cs typeface="Times New Roman" panose="02020603050405020304" pitchFamily="18" charset="0"/>
             </a:endParaRPr>
           </a:p>
           <a:p>
             <a:pPr lvl="0" algn="just"/>
             <a:r>
               <a:rPr lang="en-IN" sz="2000" b="1" dirty="0">
-                <a:latin typeface="Cambria" panose="02040503050406030204" pitchFamily="18" charset="0"/>
+                <a:latin typeface="Times New Roman" panose="02020603050405020304" pitchFamily="18" charset="0"/>
                 <a:ea typeface="Cambria" panose="02040503050406030204" pitchFamily="18" charset="0"/>
+                <a:cs typeface="Times New Roman" panose="02020603050405020304" pitchFamily="18" charset="0"/>
               </a:rPr>
               <a:t>Merger and Acquisitions: - </a:t>
             </a:r>
             <a:r>
               <a:rPr lang="en-IN" sz="2000" dirty="0">
-                <a:latin typeface="Cambria" panose="02040503050406030204" pitchFamily="18" charset="0"/>
+                <a:latin typeface="Times New Roman" panose="02020603050405020304" pitchFamily="18" charset="0"/>
                 <a:ea typeface="Cambria" panose="02040503050406030204" pitchFamily="18" charset="0"/>
+                <a:cs typeface="Times New Roman" panose="02020603050405020304" pitchFamily="18" charset="0"/>
               </a:rPr>
               <a:t>Mergers and acquisitions are transactions in which the ownership of companies, other business organizations, or their operating units are transferred or consolidated with other entities.</a:t>
             </a:r>
@@ -15196,28 +15264,32 @@
             <a:pPr lvl="0" algn="just"/>
             <a:r>
               <a:rPr lang="en-IN" sz="2000" b="1" dirty="0">
-                <a:latin typeface="Cambria" panose="02040503050406030204" pitchFamily="18" charset="0"/>
+                <a:latin typeface="Times New Roman" panose="02020603050405020304" pitchFamily="18" charset="0"/>
                 <a:ea typeface="Cambria" panose="02040503050406030204" pitchFamily="18" charset="0"/>
+                <a:cs typeface="Times New Roman" panose="02020603050405020304" pitchFamily="18" charset="0"/>
               </a:rPr>
               <a:t>Import and Export</a:t>
             </a:r>
             <a:endParaRPr lang="en-IN" sz="2000" dirty="0">
-              <a:latin typeface="Cambria" panose="02040503050406030204" pitchFamily="18" charset="0"/>
+              <a:latin typeface="Times New Roman" panose="02020603050405020304" pitchFamily="18" charset="0"/>
               <a:ea typeface="Cambria" panose="02040503050406030204" pitchFamily="18" charset="0"/>
+              <a:cs typeface="Times New Roman" panose="02020603050405020304" pitchFamily="18" charset="0"/>
             </a:endParaRPr>
           </a:p>
           <a:p>
             <a:pPr algn="just"/>
             <a:r>
               <a:rPr lang="en-IN" sz="2000" b="1" dirty="0">
-                <a:latin typeface="Cambria" panose="02040503050406030204" pitchFamily="18" charset="0"/>
+                <a:latin typeface="Times New Roman" panose="02020603050405020304" pitchFamily="18" charset="0"/>
                 <a:ea typeface="Cambria" panose="02040503050406030204" pitchFamily="18" charset="0"/>
+                <a:cs typeface="Times New Roman" panose="02020603050405020304" pitchFamily="18" charset="0"/>
               </a:rPr>
               <a:t>Government Issues/Changes to Laws.</a:t>
             </a:r>
             <a:endParaRPr lang="en-IN" sz="2000" dirty="0">
-              <a:latin typeface="Cambria" panose="02040503050406030204" pitchFamily="18" charset="0"/>
+              <a:latin typeface="Times New Roman" panose="02020603050405020304" pitchFamily="18" charset="0"/>
               <a:ea typeface="Cambria" panose="02040503050406030204" pitchFamily="18" charset="0"/>
+              <a:cs typeface="Times New Roman" panose="02020603050405020304" pitchFamily="18" charset="0"/>
             </a:endParaRPr>
           </a:p>
         </p:txBody>
@@ -15239,7 +15311,7 @@
           <a:p>
             <a:fld id="{E580708D-5BE8-485F-83A8-70647A23E1F7}" type="datetime2">
               <a:rPr lang="en-US" smtClean="0"/>
-              <a:t>Wednesday, June 10, 2020</a:t>
+              <a:t>Wednesday, June 17, 2020</a:t>
             </a:fld>
             <a:endParaRPr lang="en-US"/>
           </a:p>
@@ -15432,21 +15504,24 @@
             </a:pPr>
             <a:r>
               <a:rPr lang="en-IN" sz="2000" dirty="0">
-                <a:latin typeface="Cambria" panose="02040503050406030204" pitchFamily="18" charset="0"/>
+                <a:latin typeface="Times New Roman" panose="02020603050405020304" pitchFamily="18" charset="0"/>
                 <a:ea typeface="Cambria" panose="02040503050406030204" pitchFamily="18" charset="0"/>
+                <a:cs typeface="Times New Roman" panose="02020603050405020304" pitchFamily="18" charset="0"/>
               </a:rPr>
               <a:t>Time series is simply a series of data points ordered in time. In a time series, time is often the independent variable and the goal is usually to make a forecast for the future</a:t>
             </a:r>
             <a:r>
               <a:rPr lang="en-IN" sz="2000" dirty="0" smtClean="0">
-                <a:latin typeface="Cambria" panose="02040503050406030204" pitchFamily="18" charset="0"/>
+                <a:latin typeface="Times New Roman" panose="02020603050405020304" pitchFamily="18" charset="0"/>
                 <a:ea typeface="Cambria" panose="02040503050406030204" pitchFamily="18" charset="0"/>
+                <a:cs typeface="Times New Roman" panose="02020603050405020304" pitchFamily="18" charset="0"/>
               </a:rPr>
               <a:t>.</a:t>
             </a:r>
             <a:endParaRPr lang="en-IN" sz="2000" dirty="0">
-              <a:latin typeface="Cambria" panose="02040503050406030204" pitchFamily="18" charset="0"/>
+              <a:latin typeface="Times New Roman" panose="02020603050405020304" pitchFamily="18" charset="0"/>
               <a:ea typeface="Cambria" panose="02040503050406030204" pitchFamily="18" charset="0"/>
+              <a:cs typeface="Times New Roman" panose="02020603050405020304" pitchFamily="18" charset="0"/>
             </a:endParaRPr>
           </a:p>
           <a:p>
@@ -15455,36 +15530,40 @@
             </a:pPr>
             <a:r>
               <a:rPr lang="en-IN" sz="2000" dirty="0">
-                <a:latin typeface="Cambria" panose="02040503050406030204" pitchFamily="18" charset="0"/>
+                <a:latin typeface="Times New Roman" panose="02020603050405020304" pitchFamily="18" charset="0"/>
                 <a:ea typeface="Cambria" panose="02040503050406030204" pitchFamily="18" charset="0"/>
+                <a:cs typeface="Times New Roman" panose="02020603050405020304" pitchFamily="18" charset="0"/>
               </a:rPr>
               <a:t>T</a:t>
             </a:r>
             <a:r>
               <a:rPr lang="en-IN" sz="2000" dirty="0" smtClean="0">
-                <a:latin typeface="Cambria" panose="02040503050406030204" pitchFamily="18" charset="0"/>
+                <a:latin typeface="Times New Roman" panose="02020603050405020304" pitchFamily="18" charset="0"/>
                 <a:ea typeface="Cambria" panose="02040503050406030204" pitchFamily="18" charset="0"/>
+                <a:cs typeface="Times New Roman" panose="02020603050405020304" pitchFamily="18" charset="0"/>
               </a:rPr>
               <a:t>he </a:t>
             </a:r>
             <a:r>
               <a:rPr lang="en-IN" sz="2000" dirty="0">
-                <a:latin typeface="Cambria" panose="02040503050406030204" pitchFamily="18" charset="0"/>
+                <a:latin typeface="Times New Roman" panose="02020603050405020304" pitchFamily="18" charset="0"/>
                 <a:ea typeface="Cambria" panose="02040503050406030204" pitchFamily="18" charset="0"/>
+                <a:cs typeface="Times New Roman" panose="02020603050405020304" pitchFamily="18" charset="0"/>
               </a:rPr>
               <a:t>Time-Series generated may have any of the 3 properties</a:t>
             </a:r>
             <a:r>
               <a:rPr lang="en-IN" sz="2000" dirty="0" smtClean="0">
-                <a:latin typeface="Cambria" panose="02040503050406030204" pitchFamily="18" charset="0"/>
+                <a:latin typeface="Times New Roman" panose="02020603050405020304" pitchFamily="18" charset="0"/>
                 <a:ea typeface="Cambria" panose="02040503050406030204" pitchFamily="18" charset="0"/>
+                <a:cs typeface="Times New Roman" panose="02020603050405020304" pitchFamily="18" charset="0"/>
               </a:rPr>
               <a:t>:-</a:t>
             </a:r>
             <a:endParaRPr sz="2000" dirty="0">
-              <a:latin typeface="Cambria" panose="02040503050406030204" pitchFamily="18" charset="0"/>
+              <a:latin typeface="Times New Roman" panose="02020603050405020304" pitchFamily="18" charset="0"/>
               <a:ea typeface="Cambria" panose="02040503050406030204" pitchFamily="18" charset="0"/>
-              <a:cs typeface="Times New Roman"/>
+              <a:cs typeface="Times New Roman" panose="02020603050405020304" pitchFamily="18" charset="0"/>
               <a:sym typeface="Times New Roman"/>
             </a:endParaRPr>
           </a:p>
@@ -15497,16 +15576,17 @@
             </a:pPr>
             <a:r>
               <a:rPr lang="en-US" sz="2000" dirty="0" smtClean="0">
-                <a:latin typeface="Cambria" panose="02040503050406030204" pitchFamily="18" charset="0"/>
+                <a:latin typeface="Times New Roman" panose="02020603050405020304" pitchFamily="18" charset="0"/>
                 <a:ea typeface="Cambria" panose="02040503050406030204" pitchFamily="18" charset="0"/>
-                <a:cs typeface="Times New Roman"/>
+                <a:cs typeface="Times New Roman" panose="02020603050405020304" pitchFamily="18" charset="0"/>
                 <a:sym typeface="Times New Roman"/>
               </a:rPr>
               <a:t>Auto-Correlation</a:t>
             </a:r>
             <a:endParaRPr sz="2000" dirty="0">
-              <a:latin typeface="Cambria" panose="02040503050406030204" pitchFamily="18" charset="0"/>
+              <a:latin typeface="Times New Roman" panose="02020603050405020304" pitchFamily="18" charset="0"/>
               <a:ea typeface="Cambria" panose="02040503050406030204" pitchFamily="18" charset="0"/>
+              <a:cs typeface="Times New Roman" panose="02020603050405020304" pitchFamily="18" charset="0"/>
             </a:endParaRPr>
           </a:p>
           <a:p>
@@ -15518,16 +15598,17 @@
             </a:pPr>
             <a:r>
               <a:rPr lang="en-US" sz="2000" dirty="0" smtClean="0">
-                <a:latin typeface="Cambria" panose="02040503050406030204" pitchFamily="18" charset="0"/>
+                <a:latin typeface="Times New Roman" panose="02020603050405020304" pitchFamily="18" charset="0"/>
                 <a:ea typeface="Cambria" panose="02040503050406030204" pitchFamily="18" charset="0"/>
-                <a:cs typeface="Times New Roman"/>
+                <a:cs typeface="Times New Roman" panose="02020603050405020304" pitchFamily="18" charset="0"/>
                 <a:sym typeface="Times New Roman"/>
               </a:rPr>
               <a:t>Seasonality</a:t>
             </a:r>
             <a:endParaRPr sz="2000" dirty="0">
-              <a:latin typeface="Cambria" panose="02040503050406030204" pitchFamily="18" charset="0"/>
+              <a:latin typeface="Times New Roman" panose="02020603050405020304" pitchFamily="18" charset="0"/>
               <a:ea typeface="Cambria" panose="02040503050406030204" pitchFamily="18" charset="0"/>
+              <a:cs typeface="Times New Roman" panose="02020603050405020304" pitchFamily="18" charset="0"/>
             </a:endParaRPr>
           </a:p>
           <a:p>
@@ -15539,9 +15620,9 @@
             </a:pPr>
             <a:r>
               <a:rPr lang="en-US" sz="2000" dirty="0" smtClean="0">
-                <a:latin typeface="Cambria" panose="02040503050406030204" pitchFamily="18" charset="0"/>
+                <a:latin typeface="Times New Roman" panose="02020603050405020304" pitchFamily="18" charset="0"/>
                 <a:ea typeface="Cambria" panose="02040503050406030204" pitchFamily="18" charset="0"/>
-                <a:cs typeface="Times New Roman"/>
+                <a:cs typeface="Times New Roman" panose="02020603050405020304" pitchFamily="18" charset="0"/>
                 <a:sym typeface="Times New Roman"/>
               </a:rPr>
               <a:t>Stationarity</a:t>
@@ -15555,9 +15636,9 @@
               <a:buSzPts val="2300"/>
             </a:pPr>
             <a:endParaRPr lang="en-US" sz="2000" dirty="0" smtClean="0">
-              <a:latin typeface="Cambria" panose="02040503050406030204" pitchFamily="18" charset="0"/>
+              <a:latin typeface="Times New Roman" panose="02020603050405020304" pitchFamily="18" charset="0"/>
               <a:ea typeface="Cambria" panose="02040503050406030204" pitchFamily="18" charset="0"/>
-              <a:cs typeface="Times New Roman"/>
+              <a:cs typeface="Times New Roman" panose="02020603050405020304" pitchFamily="18" charset="0"/>
               <a:sym typeface="Times New Roman"/>
             </a:endParaRPr>
           </a:p>
@@ -15567,29 +15648,33 @@
             </a:pPr>
             <a:r>
               <a:rPr lang="en-IN" sz="1800" dirty="0" smtClean="0">
-                <a:latin typeface="Cambria" panose="02040503050406030204" pitchFamily="18" charset="0"/>
+                <a:latin typeface="Times New Roman" panose="02020603050405020304" pitchFamily="18" charset="0"/>
                 <a:ea typeface="Cambria" panose="02040503050406030204" pitchFamily="18" charset="0"/>
+                <a:cs typeface="Times New Roman" panose="02020603050405020304" pitchFamily="18" charset="0"/>
               </a:rPr>
               <a:t>Often </a:t>
             </a:r>
             <a:r>
               <a:rPr lang="en-IN" sz="1800" b="1" dirty="0">
-                <a:latin typeface="Cambria" panose="02040503050406030204" pitchFamily="18" charset="0"/>
+                <a:latin typeface="Times New Roman" panose="02020603050405020304" pitchFamily="18" charset="0"/>
                 <a:ea typeface="Cambria" panose="02040503050406030204" pitchFamily="18" charset="0"/>
+                <a:cs typeface="Times New Roman" panose="02020603050405020304" pitchFamily="18" charset="0"/>
               </a:rPr>
               <a:t>Stock Prices</a:t>
             </a:r>
             <a:r>
               <a:rPr lang="en-IN" sz="1800" dirty="0">
-                <a:latin typeface="Cambria" panose="02040503050406030204" pitchFamily="18" charset="0"/>
+                <a:latin typeface="Times New Roman" panose="02020603050405020304" pitchFamily="18" charset="0"/>
                 <a:ea typeface="Cambria" panose="02040503050406030204" pitchFamily="18" charset="0"/>
+                <a:cs typeface="Times New Roman" panose="02020603050405020304" pitchFamily="18" charset="0"/>
               </a:rPr>
               <a:t> are not a stationary process, since we might see a growing trend, or its volatility might increase over time i.e. variance is ever-changing</a:t>
             </a:r>
             <a:r>
               <a:rPr lang="en-IN" sz="1800" dirty="0" smtClean="0">
-                <a:latin typeface="Cambria" panose="02040503050406030204" pitchFamily="18" charset="0"/>
+                <a:latin typeface="Times New Roman" panose="02020603050405020304" pitchFamily="18" charset="0"/>
                 <a:ea typeface="Cambria" panose="02040503050406030204" pitchFamily="18" charset="0"/>
+                <a:cs typeface="Times New Roman" panose="02020603050405020304" pitchFamily="18" charset="0"/>
               </a:rPr>
               <a:t>.</a:t>
             </a:r>
@@ -15599,8 +15684,9 @@
               <a:buNone/>
             </a:pPr>
             <a:endParaRPr lang="en-IN" sz="400" dirty="0">
-              <a:latin typeface="Cambria" panose="02040503050406030204" pitchFamily="18" charset="0"/>
+              <a:latin typeface="Times New Roman" panose="02020603050405020304" pitchFamily="18" charset="0"/>
               <a:ea typeface="Cambria" panose="02040503050406030204" pitchFamily="18" charset="0"/>
+              <a:cs typeface="Times New Roman" panose="02020603050405020304" pitchFamily="18" charset="0"/>
             </a:endParaRPr>
           </a:p>
           <a:p>
@@ -15609,15 +15695,17 @@
             </a:pPr>
             <a:r>
               <a:rPr lang="en-IN" sz="1800" dirty="0" smtClean="0">
-                <a:latin typeface="Cambria" panose="02040503050406030204" pitchFamily="18" charset="0"/>
+                <a:latin typeface="Times New Roman" panose="02020603050405020304" pitchFamily="18" charset="0"/>
                 <a:ea typeface="Cambria" panose="02040503050406030204" pitchFamily="18" charset="0"/>
+                <a:cs typeface="Times New Roman" panose="02020603050405020304" pitchFamily="18" charset="0"/>
               </a:rPr>
               <a:t>Ideally</a:t>
             </a:r>
             <a:r>
               <a:rPr lang="en-IN" sz="1800" dirty="0">
-                <a:latin typeface="Cambria" panose="02040503050406030204" pitchFamily="18" charset="0"/>
+                <a:latin typeface="Times New Roman" panose="02020603050405020304" pitchFamily="18" charset="0"/>
                 <a:ea typeface="Cambria" panose="02040503050406030204" pitchFamily="18" charset="0"/>
+                <a:cs typeface="Times New Roman" panose="02020603050405020304" pitchFamily="18" charset="0"/>
               </a:rPr>
               <a:t>, we want to have a stationary time-series for modelling. Of course, not all of them are stationary, but we can make different transformations to make them stationary.</a:t>
             </a:r>
@@ -15631,9 +15719,9 @@
               <a:buNone/>
             </a:pPr>
             <a:endParaRPr sz="2000" dirty="0">
-              <a:latin typeface="Cambria" panose="02040503050406030204" pitchFamily="18" charset="0"/>
+              <a:latin typeface="Times New Roman" panose="02020603050405020304" pitchFamily="18" charset="0"/>
               <a:ea typeface="Cambria" panose="02040503050406030204" pitchFamily="18" charset="0"/>
-              <a:cs typeface="Times New Roman"/>
+              <a:cs typeface="Times New Roman" panose="02020603050405020304" pitchFamily="18" charset="0"/>
               <a:sym typeface="Times New Roman"/>
             </a:endParaRPr>
           </a:p>
@@ -15679,7 +15767,7 @@
             </a:pPr>
             <a:fld id="{1B032127-C49F-4CB0-A08C-2F13C8CF5C39}" type="datetime2">
               <a:rPr lang="en-US" smtClean="0"/>
-              <a:t>Wednesday, June 10, 2020</a:t>
+              <a:t>Wednesday, June 17, 2020</a:t>
             </a:fld>
             <a:endParaRPr/>
           </a:p>
@@ -15821,10 +15909,16 @@
               <a:buNone/>
             </a:pPr>
             <a:r>
-              <a:rPr lang="en-US" b="1" dirty="0"/>
+              <a:rPr lang="en-US" b="1" dirty="0">
+                <a:latin typeface="Times New Roman" panose="02020603050405020304" pitchFamily="18" charset="0"/>
+                <a:cs typeface="Times New Roman" panose="02020603050405020304" pitchFamily="18" charset="0"/>
+              </a:rPr>
               <a:t>Auto-Correlation</a:t>
             </a:r>
-            <a:endParaRPr b="1" dirty="0"/>
+            <a:endParaRPr b="1" dirty="0">
+              <a:latin typeface="Times New Roman" panose="02020603050405020304" pitchFamily="18" charset="0"/>
+              <a:cs typeface="Times New Roman" panose="02020603050405020304" pitchFamily="18" charset="0"/>
+            </a:endParaRPr>
           </a:p>
         </p:txBody>
       </p:sp>
@@ -15859,8 +15953,9 @@
                 <a:highlight>
                   <a:srgbClr val="FFFFFF"/>
                 </a:highlight>
-                <a:latin typeface="Cambria" panose="02040503050406030204" pitchFamily="18" charset="0"/>
+                <a:latin typeface="Times New Roman" panose="02020603050405020304" pitchFamily="18" charset="0"/>
                 <a:ea typeface="Cambria" panose="02040503050406030204" pitchFamily="18" charset="0"/>
+                <a:cs typeface="Times New Roman" panose="02020603050405020304" pitchFamily="18" charset="0"/>
               </a:rPr>
               <a:t>Auto-Correlation: - </a:t>
             </a:r>
@@ -15869,8 +15964,9 @@
                 <a:highlight>
                   <a:srgbClr val="FFFFFF"/>
                 </a:highlight>
-                <a:latin typeface="Cambria" panose="02040503050406030204" pitchFamily="18" charset="0"/>
+                <a:latin typeface="Times New Roman" panose="02020603050405020304" pitchFamily="18" charset="0"/>
                 <a:ea typeface="Cambria" panose="02040503050406030204" pitchFamily="18" charset="0"/>
+                <a:cs typeface="Times New Roman" panose="02020603050405020304" pitchFamily="18" charset="0"/>
               </a:rPr>
               <a:t>is the similarity between observations as a function of the time lag between them. For example, in the graph below the first and the 24th value have a high autocorrelation similarly for the 12th and 36th value. </a:t>
             </a:r>
@@ -15963,7 +16059,7 @@
             </a:pPr>
             <a:fld id="{73516F77-42A0-4389-B29F-BBC66A1400FA}" type="datetime2">
               <a:rPr lang="en-US" smtClean="0"/>
-              <a:t>Wednesday, June 10, 2020</a:t>
+              <a:t>Wednesday, June 17, 2020</a:t>
             </a:fld>
             <a:endParaRPr/>
           </a:p>
@@ -16089,10 +16185,16 @@
               <a:buNone/>
             </a:pPr>
             <a:r>
-              <a:rPr lang="en-US" b="1" dirty="0"/>
+              <a:rPr lang="en-US" b="1" dirty="0" smtClean="0">
+                <a:latin typeface="Times New Roman" panose="02020603050405020304" pitchFamily="18" charset="0"/>
+                <a:cs typeface="Times New Roman" panose="02020603050405020304" pitchFamily="18" charset="0"/>
+              </a:rPr>
               <a:t>Seasonality</a:t>
             </a:r>
-            <a:endParaRPr b="1" dirty="0"/>
+            <a:endParaRPr b="1" dirty="0">
+              <a:latin typeface="Times New Roman" panose="02020603050405020304" pitchFamily="18" charset="0"/>
+              <a:cs typeface="Times New Roman" panose="02020603050405020304" pitchFamily="18" charset="0"/>
+            </a:endParaRPr>
           </a:p>
         </p:txBody>
       </p:sp>
@@ -16127,8 +16229,9 @@
                 <a:highlight>
                   <a:srgbClr val="FFFFFF"/>
                 </a:highlight>
-                <a:latin typeface="Cambria" panose="02040503050406030204" pitchFamily="18" charset="0"/>
+                <a:latin typeface="Times New Roman" panose="02020603050405020304" pitchFamily="18" charset="0"/>
                 <a:ea typeface="Cambria" panose="02040503050406030204" pitchFamily="18" charset="0"/>
+                <a:cs typeface="Times New Roman" panose="02020603050405020304" pitchFamily="18" charset="0"/>
               </a:rPr>
               <a:t>Seasonality: - </a:t>
             </a:r>
@@ -16137,8 +16240,9 @@
                 <a:highlight>
                   <a:srgbClr val="FFFFFF"/>
                 </a:highlight>
-                <a:latin typeface="Cambria" panose="02040503050406030204" pitchFamily="18" charset="0"/>
+                <a:latin typeface="Times New Roman" panose="02020603050405020304" pitchFamily="18" charset="0"/>
                 <a:ea typeface="Cambria" panose="02040503050406030204" pitchFamily="18" charset="0"/>
+                <a:cs typeface="Times New Roman" panose="02020603050405020304" pitchFamily="18" charset="0"/>
               </a:rPr>
               <a:t>Refers to periodic functions, for example electricity consumption is high during the day and low during night, or online sales increase during Christmas before slowing down again. Seasonality can also be derived from an </a:t>
             </a:r>
@@ -16147,8 +16251,9 @@
                 <a:highlight>
                   <a:srgbClr val="FFFFFF"/>
                 </a:highlight>
-                <a:latin typeface="Cambria" panose="02040503050406030204" pitchFamily="18" charset="0"/>
+                <a:latin typeface="Times New Roman" panose="02020603050405020304" pitchFamily="18" charset="0"/>
                 <a:ea typeface="Cambria" panose="02040503050406030204" pitchFamily="18" charset="0"/>
+                <a:cs typeface="Times New Roman" panose="02020603050405020304" pitchFamily="18" charset="0"/>
               </a:rPr>
               <a:t>Auto-Correlation Plot </a:t>
             </a:r>
@@ -16157,8 +16262,9 @@
                 <a:highlight>
                   <a:srgbClr val="FFFFFF"/>
                 </a:highlight>
-                <a:latin typeface="Cambria" panose="02040503050406030204" pitchFamily="18" charset="0"/>
+                <a:latin typeface="Times New Roman" panose="02020603050405020304" pitchFamily="18" charset="0"/>
                 <a:ea typeface="Cambria" panose="02040503050406030204" pitchFamily="18" charset="0"/>
+                <a:cs typeface="Times New Roman" panose="02020603050405020304" pitchFamily="18" charset="0"/>
               </a:rPr>
               <a:t>if it has a sinusoidal shape.</a:t>
             </a:r>
@@ -16169,8 +16275,9 @@
               <a:highlight>
                 <a:srgbClr val="FFFFFF"/>
               </a:highlight>
-              <a:latin typeface="Cambria" panose="02040503050406030204" pitchFamily="18" charset="0"/>
+              <a:latin typeface="Times New Roman" panose="02020603050405020304" pitchFamily="18" charset="0"/>
               <a:ea typeface="Cambria" panose="02040503050406030204" pitchFamily="18" charset="0"/>
+              <a:cs typeface="Times New Roman" panose="02020603050405020304" pitchFamily="18" charset="0"/>
             </a:endParaRPr>
           </a:p>
         </p:txBody>
@@ -16261,7 +16368,7 @@
             </a:pPr>
             <a:fld id="{E11AD3BD-E11B-495B-813F-1DB2CAD94292}" type="datetime2">
               <a:rPr lang="en-US" smtClean="0"/>
-              <a:t>Wednesday, June 10, 2020</a:t>
+              <a:t>Wednesday, June 17, 2020</a:t>
             </a:fld>
             <a:endParaRPr/>
           </a:p>
@@ -16392,10 +16499,16 @@
               <a:buNone/>
             </a:pPr>
             <a:r>
-              <a:rPr lang="en-US" b="1" dirty="0"/>
+              <a:rPr lang="en-US" b="1" dirty="0">
+                <a:latin typeface="Times New Roman" panose="02020603050405020304" pitchFamily="18" charset="0"/>
+                <a:cs typeface="Times New Roman" panose="02020603050405020304" pitchFamily="18" charset="0"/>
+              </a:rPr>
               <a:t>Stationarity</a:t>
             </a:r>
-            <a:endParaRPr b="1" dirty="0"/>
+            <a:endParaRPr b="1" dirty="0">
+              <a:latin typeface="Times New Roman" panose="02020603050405020304" pitchFamily="18" charset="0"/>
+              <a:cs typeface="Times New Roman" panose="02020603050405020304" pitchFamily="18" charset="0"/>
+            </a:endParaRPr>
           </a:p>
         </p:txBody>
       </p:sp>
@@ -16430,8 +16543,9 @@
                 <a:highlight>
                   <a:srgbClr val="FFFFFF"/>
                 </a:highlight>
-                <a:latin typeface="Cambria" panose="02040503050406030204" pitchFamily="18" charset="0"/>
+                <a:latin typeface="Times New Roman" panose="02020603050405020304" pitchFamily="18" charset="0"/>
                 <a:ea typeface="Cambria" panose="02040503050406030204" pitchFamily="18" charset="0"/>
+                <a:cs typeface="Times New Roman" panose="02020603050405020304" pitchFamily="18" charset="0"/>
               </a:rPr>
               <a:t>Stationarity: - </a:t>
             </a:r>
@@ -16440,8 +16554,9 @@
                 <a:highlight>
                   <a:srgbClr val="FFFFFF"/>
                 </a:highlight>
-                <a:latin typeface="Cambria" panose="02040503050406030204" pitchFamily="18" charset="0"/>
+                <a:latin typeface="Times New Roman" panose="02020603050405020304" pitchFamily="18" charset="0"/>
                 <a:ea typeface="Cambria" panose="02040503050406030204" pitchFamily="18" charset="0"/>
+                <a:cs typeface="Times New Roman" panose="02020603050405020304" pitchFamily="18" charset="0"/>
               </a:rPr>
               <a:t>is an important characteristic of time-series. A time-series is said to be stationary if its statistical properties do not change over time. In other words, it has constant mean and variance, and co-variance is independent of time.</a:t>
             </a:r>
@@ -16534,7 +16649,7 @@
             </a:pPr>
             <a:fld id="{5224DE4B-1F34-4272-9394-52D8E6B97EB6}" type="datetime2">
               <a:rPr lang="en-US" smtClean="0"/>
-              <a:t>Wednesday, June 10, 2020</a:t>
+              <a:t>Wednesday, June 17, 2020</a:t>
             </a:fld>
             <a:endParaRPr/>
           </a:p>
@@ -16646,10 +16761,16 @@
           <a:lstStyle/>
           <a:p>
             <a:r>
-              <a:rPr lang="en-US" b="1" dirty="0"/>
+              <a:rPr lang="en-US" b="1" dirty="0">
+                <a:latin typeface="Times New Roman" panose="02020603050405020304" pitchFamily="18" charset="0"/>
+                <a:cs typeface="Times New Roman" panose="02020603050405020304" pitchFamily="18" charset="0"/>
+              </a:rPr>
               <a:t>Stationarity</a:t>
             </a:r>
-            <a:endParaRPr lang="en-IN" dirty="0"/>
+            <a:endParaRPr lang="en-IN" dirty="0">
+              <a:latin typeface="Times New Roman" panose="02020603050405020304" pitchFamily="18" charset="0"/>
+              <a:cs typeface="Times New Roman" panose="02020603050405020304" pitchFamily="18" charset="0"/>
+            </a:endParaRPr>
           </a:p>
         </p:txBody>
       </p:sp>
@@ -16689,7 +16810,7 @@
             </a:pPr>
             <a:fld id="{90B87B15-C909-41E1-918C-5231545DB1F0}" type="datetime2">
               <a:rPr lang="en-US" smtClean="0"/>
-              <a:t>Wednesday, June 10, 2020</a:t>
+              <a:t>Wednesday, June 17, 2020</a:t>
             </a:fld>
             <a:endParaRPr/>
           </a:p>
@@ -16785,8 +16906,9 @@
             <a:pPr algn="just"/>
             <a:r>
               <a:rPr lang="en-US" sz="2000" b="1" dirty="0">
-                <a:latin typeface="Cambria" panose="02040503050406030204" pitchFamily="18" charset="0"/>
+                <a:latin typeface="Times New Roman" panose="02020603050405020304" pitchFamily="18" charset="0"/>
                 <a:ea typeface="Cambria" panose="02040503050406030204" pitchFamily="18" charset="0"/>
+                <a:cs typeface="Times New Roman" panose="02020603050405020304" pitchFamily="18" charset="0"/>
               </a:rPr>
               <a:t>How to test if a process is stationary</a:t>
             </a:r>
@@ -16795,29 +16917,33 @@
             <a:pPr algn="just"/>
             <a:r>
               <a:rPr lang="en-US" sz="2000" dirty="0">
-                <a:latin typeface="Cambria" panose="02040503050406030204" pitchFamily="18" charset="0"/>
+                <a:latin typeface="Times New Roman" panose="02020603050405020304" pitchFamily="18" charset="0"/>
                 <a:ea typeface="Cambria" panose="02040503050406030204" pitchFamily="18" charset="0"/>
+                <a:cs typeface="Times New Roman" panose="02020603050405020304" pitchFamily="18" charset="0"/>
               </a:rPr>
               <a:t> </a:t>
             </a:r>
             <a:r>
               <a:rPr lang="en-US" sz="2000" i="1" dirty="0" smtClean="0">
-                <a:latin typeface="Cambria" panose="02040503050406030204" pitchFamily="18" charset="0"/>
+                <a:latin typeface="Times New Roman" panose="02020603050405020304" pitchFamily="18" charset="0"/>
                 <a:ea typeface="Cambria" panose="02040503050406030204" pitchFamily="18" charset="0"/>
+                <a:cs typeface="Times New Roman" panose="02020603050405020304" pitchFamily="18" charset="0"/>
               </a:rPr>
               <a:t>Dickey-Fuller</a:t>
             </a:r>
             <a:r>
               <a:rPr lang="en-US" sz="2000" dirty="0" smtClean="0">
-                <a:latin typeface="Cambria" panose="02040503050406030204" pitchFamily="18" charset="0"/>
+                <a:latin typeface="Times New Roman" panose="02020603050405020304" pitchFamily="18" charset="0"/>
                 <a:ea typeface="Cambria" panose="02040503050406030204" pitchFamily="18" charset="0"/>
+                <a:cs typeface="Times New Roman" panose="02020603050405020304" pitchFamily="18" charset="0"/>
               </a:rPr>
               <a:t> </a:t>
             </a:r>
             <a:r>
               <a:rPr lang="en-US" sz="2000" dirty="0">
-                <a:latin typeface="Cambria" panose="02040503050406030204" pitchFamily="18" charset="0"/>
+                <a:latin typeface="Times New Roman" panose="02020603050405020304" pitchFamily="18" charset="0"/>
                 <a:ea typeface="Cambria" panose="02040503050406030204" pitchFamily="18" charset="0"/>
+                <a:cs typeface="Times New Roman" panose="02020603050405020304" pitchFamily="18" charset="0"/>
               </a:rPr>
               <a:t>is the statistical test that we run to determine if a time series is stationary or not.</a:t>
             </a:r>
@@ -16826,8 +16952,9 @@
             <a:pPr algn="just"/>
             <a:r>
               <a:rPr lang="en-US" sz="2000" dirty="0">
-                <a:latin typeface="Cambria" panose="02040503050406030204" pitchFamily="18" charset="0"/>
+                <a:latin typeface="Times New Roman" panose="02020603050405020304" pitchFamily="18" charset="0"/>
                 <a:ea typeface="Cambria" panose="02040503050406030204" pitchFamily="18" charset="0"/>
+                <a:cs typeface="Times New Roman" panose="02020603050405020304" pitchFamily="18" charset="0"/>
               </a:rPr>
               <a:t>Without going into the technicalities of the Dickey-Fuller test, it test the null hypothesis that a unit root is present.</a:t>
             </a:r>
@@ -16836,22 +16963,25 @@
             <a:pPr algn="just"/>
             <a:r>
               <a:rPr lang="en-US" sz="2000" dirty="0">
-                <a:latin typeface="Cambria" panose="02040503050406030204" pitchFamily="18" charset="0"/>
+                <a:latin typeface="Times New Roman" panose="02020603050405020304" pitchFamily="18" charset="0"/>
                 <a:ea typeface="Cambria" panose="02040503050406030204" pitchFamily="18" charset="0"/>
+                <a:cs typeface="Times New Roman" panose="02020603050405020304" pitchFamily="18" charset="0"/>
               </a:rPr>
               <a:t>If it is, then </a:t>
             </a:r>
             <a:r>
               <a:rPr lang="en-US" sz="2000" i="1" dirty="0">
-                <a:latin typeface="Cambria" panose="02040503050406030204" pitchFamily="18" charset="0"/>
+                <a:latin typeface="Times New Roman" panose="02020603050405020304" pitchFamily="18" charset="0"/>
                 <a:ea typeface="Cambria" panose="02040503050406030204" pitchFamily="18" charset="0"/>
+                <a:cs typeface="Times New Roman" panose="02020603050405020304" pitchFamily="18" charset="0"/>
               </a:rPr>
               <a:t>p &gt; </a:t>
             </a:r>
             <a:r>
               <a:rPr lang="en-US" sz="2000" dirty="0">
-                <a:latin typeface="Cambria" panose="02040503050406030204" pitchFamily="18" charset="0"/>
+                <a:latin typeface="Times New Roman" panose="02020603050405020304" pitchFamily="18" charset="0"/>
                 <a:ea typeface="Cambria" panose="02040503050406030204" pitchFamily="18" charset="0"/>
+                <a:cs typeface="Times New Roman" panose="02020603050405020304" pitchFamily="18" charset="0"/>
               </a:rPr>
               <a:t>0, and the process is not stationary.</a:t>
             </a:r>
@@ -16860,22 +16990,25 @@
             <a:pPr algn="just"/>
             <a:r>
               <a:rPr lang="en-US" sz="2000" dirty="0">
-                <a:latin typeface="Cambria" panose="02040503050406030204" pitchFamily="18" charset="0"/>
+                <a:latin typeface="Times New Roman" panose="02020603050405020304" pitchFamily="18" charset="0"/>
                 <a:ea typeface="Cambria" panose="02040503050406030204" pitchFamily="18" charset="0"/>
+                <a:cs typeface="Times New Roman" panose="02020603050405020304" pitchFamily="18" charset="0"/>
               </a:rPr>
               <a:t>Otherwise, </a:t>
             </a:r>
             <a:r>
               <a:rPr lang="en-US" sz="2000" i="1" dirty="0">
-                <a:latin typeface="Cambria" panose="02040503050406030204" pitchFamily="18" charset="0"/>
+                <a:latin typeface="Times New Roman" panose="02020603050405020304" pitchFamily="18" charset="0"/>
                 <a:ea typeface="Cambria" panose="02040503050406030204" pitchFamily="18" charset="0"/>
+                <a:cs typeface="Times New Roman" panose="02020603050405020304" pitchFamily="18" charset="0"/>
               </a:rPr>
               <a:t>p = </a:t>
             </a:r>
             <a:r>
               <a:rPr lang="en-US" sz="2000" dirty="0">
-                <a:latin typeface="Cambria" panose="02040503050406030204" pitchFamily="18" charset="0"/>
+                <a:latin typeface="Times New Roman" panose="02020603050405020304" pitchFamily="18" charset="0"/>
                 <a:ea typeface="Cambria" panose="02040503050406030204" pitchFamily="18" charset="0"/>
+                <a:cs typeface="Times New Roman" panose="02020603050405020304" pitchFamily="18" charset="0"/>
               </a:rPr>
               <a:t>0, the null hypothesis is rejected, and the process is considered to be stationary.</a:t>
             </a:r>
@@ -16884,21 +17017,24 @@
             <a:pPr algn="just"/>
             <a:r>
               <a:rPr lang="en-US" sz="2000" dirty="0">
-                <a:latin typeface="Cambria" panose="02040503050406030204" pitchFamily="18" charset="0"/>
+                <a:latin typeface="Times New Roman" panose="02020603050405020304" pitchFamily="18" charset="0"/>
                 <a:ea typeface="Cambria" panose="02040503050406030204" pitchFamily="18" charset="0"/>
+                <a:cs typeface="Times New Roman" panose="02020603050405020304" pitchFamily="18" charset="0"/>
               </a:rPr>
               <a:t>As an example, the process below is not stationary. Notice how the mean is not constant through time</a:t>
             </a:r>
             <a:r>
               <a:rPr lang="en-US" sz="2000" dirty="0" smtClean="0">
-                <a:latin typeface="Cambria" panose="02040503050406030204" pitchFamily="18" charset="0"/>
+                <a:latin typeface="Times New Roman" panose="02020603050405020304" pitchFamily="18" charset="0"/>
                 <a:ea typeface="Cambria" panose="02040503050406030204" pitchFamily="18" charset="0"/>
+                <a:cs typeface="Times New Roman" panose="02020603050405020304" pitchFamily="18" charset="0"/>
               </a:rPr>
               <a:t>.</a:t>
             </a:r>
             <a:endParaRPr lang="en-US" sz="2000" dirty="0">
-              <a:latin typeface="Cambria" panose="02040503050406030204" pitchFamily="18" charset="0"/>
+              <a:latin typeface="Times New Roman" panose="02020603050405020304" pitchFamily="18" charset="0"/>
               <a:ea typeface="Cambria" panose="02040503050406030204" pitchFamily="18" charset="0"/>
+              <a:cs typeface="Times New Roman" panose="02020603050405020304" pitchFamily="18" charset="0"/>
             </a:endParaRPr>
           </a:p>
         </p:txBody>
@@ -16999,10 +17135,23 @@
               <a:buNone/>
             </a:pPr>
             <a:r>
-              <a:rPr lang="en-IN" b="1" dirty="0"/>
-              <a:t>Modelling Time series</a:t>
-            </a:r>
-            <a:endParaRPr b="1" dirty="0"/>
+              <a:rPr lang="en-IN" b="1" dirty="0" smtClean="0">
+                <a:latin typeface="Times New Roman" panose="02020603050405020304" pitchFamily="18" charset="0"/>
+                <a:cs typeface="Times New Roman" panose="02020603050405020304" pitchFamily="18" charset="0"/>
+              </a:rPr>
+              <a:t>Modelling </a:t>
+            </a:r>
+            <a:r>
+              <a:rPr lang="en-IN" b="1" dirty="0">
+                <a:latin typeface="Times New Roman" panose="02020603050405020304" pitchFamily="18" charset="0"/>
+                <a:cs typeface="Times New Roman" panose="02020603050405020304" pitchFamily="18" charset="0"/>
+              </a:rPr>
+              <a:t>Time series</a:t>
+            </a:r>
+            <a:endParaRPr b="1" dirty="0">
+              <a:latin typeface="Times New Roman" panose="02020603050405020304" pitchFamily="18" charset="0"/>
+              <a:cs typeface="Times New Roman" panose="02020603050405020304" pitchFamily="18" charset="0"/>
+            </a:endParaRPr>
           </a:p>
         </p:txBody>
       </p:sp>
@@ -17039,8 +17188,9 @@
                 <a:highlight>
                   <a:srgbClr val="FFFFFF"/>
                 </a:highlight>
-                <a:latin typeface="Cambria" panose="02040503050406030204" pitchFamily="18" charset="0"/>
+                <a:latin typeface="Times New Roman" panose="02020603050405020304" pitchFamily="18" charset="0"/>
                 <a:ea typeface="Cambria" panose="02040503050406030204" pitchFamily="18" charset="0"/>
+                <a:cs typeface="Times New Roman" panose="02020603050405020304" pitchFamily="18" charset="0"/>
               </a:rPr>
               <a:t>There are many ways to model a time series in order to make predictions:</a:t>
             </a:r>
@@ -17053,8 +17203,9 @@
               <a:highlight>
                 <a:srgbClr val="FFFFFF"/>
               </a:highlight>
-              <a:latin typeface="Cambria" panose="02040503050406030204" pitchFamily="18" charset="0"/>
+              <a:latin typeface="Times New Roman" panose="02020603050405020304" pitchFamily="18" charset="0"/>
               <a:ea typeface="Cambria" panose="02040503050406030204" pitchFamily="18" charset="0"/>
+              <a:cs typeface="Times New Roman" panose="02020603050405020304" pitchFamily="18" charset="0"/>
             </a:endParaRPr>
           </a:p>
           <a:p>
@@ -17064,8 +17215,9 @@
                 <a:highlight>
                   <a:srgbClr val="FFFFFF"/>
                 </a:highlight>
-                <a:latin typeface="Cambria" panose="02040503050406030204" pitchFamily="18" charset="0"/>
+                <a:latin typeface="Times New Roman" panose="02020603050405020304" pitchFamily="18" charset="0"/>
                 <a:ea typeface="Cambria" panose="02040503050406030204" pitchFamily="18" charset="0"/>
+                <a:cs typeface="Times New Roman" panose="02020603050405020304" pitchFamily="18" charset="0"/>
               </a:rPr>
               <a:t>Moving average</a:t>
             </a:r>
@@ -17077,8 +17229,9 @@
                 <a:highlight>
                   <a:srgbClr val="FFFFFF"/>
                 </a:highlight>
-                <a:latin typeface="Cambria" panose="02040503050406030204" pitchFamily="18" charset="0"/>
+                <a:latin typeface="Times New Roman" panose="02020603050405020304" pitchFamily="18" charset="0"/>
                 <a:ea typeface="Cambria" panose="02040503050406030204" pitchFamily="18" charset="0"/>
+                <a:cs typeface="Times New Roman" panose="02020603050405020304" pitchFamily="18" charset="0"/>
               </a:rPr>
               <a:t>Exponential Smoothing</a:t>
             </a:r>
@@ -17090,8 +17243,9 @@
                 <a:highlight>
                   <a:srgbClr val="FFFFFF"/>
                 </a:highlight>
-                <a:latin typeface="Cambria" panose="02040503050406030204" pitchFamily="18" charset="0"/>
+                <a:latin typeface="Times New Roman" panose="02020603050405020304" pitchFamily="18" charset="0"/>
                 <a:ea typeface="Cambria" panose="02040503050406030204" pitchFamily="18" charset="0"/>
+                <a:cs typeface="Times New Roman" panose="02020603050405020304" pitchFamily="18" charset="0"/>
               </a:rPr>
               <a:t>Seasonal Autoregressive Integrated Moving Average model(SARIMA)</a:t>
             </a:r>
@@ -17099,8 +17253,9 @@
               <a:highlight>
                 <a:srgbClr val="FFFFFF"/>
               </a:highlight>
-              <a:latin typeface="Cambria" panose="02040503050406030204" pitchFamily="18" charset="0"/>
+              <a:latin typeface="Times New Roman" panose="02020603050405020304" pitchFamily="18" charset="0"/>
               <a:ea typeface="Cambria" panose="02040503050406030204" pitchFamily="18" charset="0"/>
+              <a:cs typeface="Times New Roman" panose="02020603050405020304" pitchFamily="18" charset="0"/>
             </a:endParaRPr>
           </a:p>
           <a:p>
@@ -17109,8 +17264,9 @@
               <a:highlight>
                 <a:srgbClr val="FFFFFF"/>
               </a:highlight>
-              <a:latin typeface="Cambria" panose="02040503050406030204" pitchFamily="18" charset="0"/>
+              <a:latin typeface="Times New Roman" panose="02020603050405020304" pitchFamily="18" charset="0"/>
               <a:ea typeface="Cambria" panose="02040503050406030204" pitchFamily="18" charset="0"/>
+              <a:cs typeface="Times New Roman" panose="02020603050405020304" pitchFamily="18" charset="0"/>
             </a:endParaRPr>
           </a:p>
         </p:txBody>
@@ -17201,7 +17357,7 @@
             </a:pPr>
             <a:fld id="{DFBD737E-D84D-4B1B-81A1-E850FE177047}" type="datetime2">
               <a:rPr lang="en-US" smtClean="0"/>
-              <a:t>Wednesday, June 10, 2020</a:t>
+              <a:t>Wednesday, June 17, 2020</a:t>
             </a:fld>
             <a:endParaRPr dirty="0"/>
           </a:p>
@@ -17484,7 +17640,7 @@
             </a:pPr>
             <a:fld id="{434D891F-1481-416A-99DB-6912C137B3B5}" type="datetime2">
               <a:rPr lang="en-US" smtClean="0"/>
-              <a:t>Wednesday, June 10, 2020</a:t>
+              <a:t>Wednesday, June 17, 2020</a:t>
             </a:fld>
             <a:endParaRPr/>
           </a:p>
@@ -17680,9 +17836,9 @@
             </a:pPr>
             <a:r>
               <a:rPr lang="en-US" sz="2800" dirty="0" smtClean="0">
-                <a:latin typeface="Arial"/>
+                <a:latin typeface="Times New Roman" panose="02020603050405020304" pitchFamily="18" charset="0"/>
                 <a:ea typeface="Arial"/>
-                <a:cs typeface="Arial"/>
+                <a:cs typeface="Times New Roman" panose="02020603050405020304" pitchFamily="18" charset="0"/>
                 <a:sym typeface="Arial"/>
               </a:rPr>
               <a:t>Synopsis</a:t>
@@ -17702,9 +17858,9 @@
             </a:pPr>
             <a:r>
               <a:rPr lang="en-US" sz="2800" dirty="0" smtClean="0">
-                <a:latin typeface="Arial"/>
+                <a:latin typeface="Times New Roman" panose="02020603050405020304" pitchFamily="18" charset="0"/>
                 <a:ea typeface="Arial"/>
-                <a:cs typeface="Arial"/>
+                <a:cs typeface="Times New Roman" panose="02020603050405020304" pitchFamily="18" charset="0"/>
                 <a:sym typeface="Arial"/>
               </a:rPr>
               <a:t>Goal</a:t>
@@ -17724,9 +17880,9 @@
             </a:pPr>
             <a:r>
               <a:rPr lang="en-US" sz="2800" dirty="0" smtClean="0">
-                <a:latin typeface="Arial"/>
+                <a:latin typeface="Times New Roman" panose="02020603050405020304" pitchFamily="18" charset="0"/>
                 <a:ea typeface="Arial"/>
-                <a:cs typeface="Arial"/>
+                <a:cs typeface="Times New Roman" panose="02020603050405020304" pitchFamily="18" charset="0"/>
                 <a:sym typeface="Arial"/>
               </a:rPr>
               <a:t>Methodology</a:t>
@@ -17746,9 +17902,9 @@
             </a:pPr>
             <a:r>
               <a:rPr lang="en-US" sz="2800" dirty="0" smtClean="0">
-                <a:latin typeface="Arial"/>
+                <a:latin typeface="Times New Roman" panose="02020603050405020304" pitchFamily="18" charset="0"/>
                 <a:ea typeface="Arial"/>
-                <a:cs typeface="Arial"/>
+                <a:cs typeface="Times New Roman" panose="02020603050405020304" pitchFamily="18" charset="0"/>
                 <a:sym typeface="Arial"/>
               </a:rPr>
               <a:t>Schedule</a:t>
@@ -17768,9 +17924,9 @@
             </a:pPr>
             <a:r>
               <a:rPr lang="en-US" sz="2800" dirty="0" smtClean="0">
-                <a:latin typeface="Arial"/>
+                <a:latin typeface="Times New Roman" panose="02020603050405020304" pitchFamily="18" charset="0"/>
                 <a:ea typeface="Arial"/>
-                <a:cs typeface="Arial"/>
+                <a:cs typeface="Times New Roman" panose="02020603050405020304" pitchFamily="18" charset="0"/>
                 <a:sym typeface="Arial"/>
               </a:rPr>
               <a:t>Fundamentals of Trading</a:t>
@@ -17790,9 +17946,9 @@
             </a:pPr>
             <a:r>
               <a:rPr lang="en-US" sz="2800" dirty="0" smtClean="0">
-                <a:latin typeface="Arial"/>
+                <a:latin typeface="Times New Roman" panose="02020603050405020304" pitchFamily="18" charset="0"/>
                 <a:ea typeface="Arial"/>
-                <a:cs typeface="Arial"/>
+                <a:cs typeface="Times New Roman" panose="02020603050405020304" pitchFamily="18" charset="0"/>
                 <a:sym typeface="Arial"/>
               </a:rPr>
               <a:t>Algorithms</a:t>
@@ -17812,9 +17968,9 @@
             </a:pPr>
             <a:r>
               <a:rPr lang="en-US" sz="2800" dirty="0" smtClean="0">
-                <a:latin typeface="Arial"/>
+                <a:latin typeface="Times New Roman" panose="02020603050405020304" pitchFamily="18" charset="0"/>
                 <a:ea typeface="Arial"/>
-                <a:cs typeface="Arial"/>
+                <a:cs typeface="Times New Roman" panose="02020603050405020304" pitchFamily="18" charset="0"/>
                 <a:sym typeface="Arial"/>
               </a:rPr>
               <a:t>References</a:t>
@@ -17838,9 +17994,9 @@
               <a:solidFill>
                 <a:srgbClr val="000000"/>
               </a:solidFill>
-              <a:latin typeface="Times New Roman"/>
+              <a:latin typeface="Times New Roman" panose="02020603050405020304" pitchFamily="18" charset="0"/>
               <a:ea typeface="Times New Roman"/>
-              <a:cs typeface="Times New Roman"/>
+              <a:cs typeface="Times New Roman" panose="02020603050405020304" pitchFamily="18" charset="0"/>
               <a:sym typeface="Times New Roman"/>
             </a:endParaRPr>
           </a:p>
@@ -17947,7 +18103,7 @@
             </a:pPr>
             <a:fld id="{641E02E7-9760-43BA-A479-95D57DA636C9}" type="datetime2">
               <a:rPr lang="en-US" smtClean="0"/>
-              <a:t>Wednesday, June 10, 2020</a:t>
+              <a:t>Wednesday, June 17, 2020</a:t>
             </a:fld>
             <a:endParaRPr/>
           </a:p>
@@ -18401,7 +18557,7 @@
           <a:p>
             <a:fld id="{E580708D-5BE8-485F-83A8-70647A23E1F7}" type="datetime2">
               <a:rPr lang="en-US" smtClean="0"/>
-              <a:t>Wednesday, June 10, 2020</a:t>
+              <a:t>Wednesday, June 17, 2020</a:t>
             </a:fld>
             <a:endParaRPr lang="en-US"/>
           </a:p>
@@ -18798,7 +18954,7 @@
             </a:pPr>
             <a:fld id="{03BE2AE9-6186-4358-90E9-81485366BF28}" type="datetime2">
               <a:rPr lang="en-US" smtClean="0"/>
-              <a:t>Wednesday, June 10, 2020</a:t>
+              <a:t>Wednesday, June 17, 2020</a:t>
             </a:fld>
             <a:endParaRPr/>
           </a:p>
@@ -19174,7 +19330,7 @@
           <a:p>
             <a:fld id="{E580708D-5BE8-485F-83A8-70647A23E1F7}" type="datetime2">
               <a:rPr lang="en-US" smtClean="0"/>
-              <a:t>Wednesday, June 10, 2020</a:t>
+              <a:t>Wednesday, June 17, 2020</a:t>
             </a:fld>
             <a:endParaRPr lang="en-US"/>
           </a:p>
@@ -19309,7 +19465,7 @@
               <a:buNone/>
             </a:pPr>
             <a:r>
-              <a:rPr lang="en-US" b="1">
+              <a:rPr lang="en-US" b="1" dirty="0">
                 <a:latin typeface="Times New Roman"/>
                 <a:ea typeface="Times New Roman"/>
                 <a:cs typeface="Times New Roman"/>
@@ -19317,7 +19473,7 @@
               </a:rPr>
               <a:t>References</a:t>
             </a:r>
-            <a:endParaRPr b="1">
+            <a:endParaRPr b="1" dirty="0">
               <a:latin typeface="Times New Roman"/>
               <a:ea typeface="Times New Roman"/>
               <a:cs typeface="Times New Roman"/>
@@ -19783,7 +19939,7 @@
             </a:pPr>
             <a:fld id="{E98A49B2-32DD-4D93-BA2C-B53216BE7ADB}" type="datetime2">
               <a:rPr lang="en-US" smtClean="0"/>
-              <a:t>Wednesday, June 10, 2020</a:t>
+              <a:t>Wednesday, June 17, 2020</a:t>
             </a:fld>
             <a:endParaRPr/>
           </a:p>
@@ -20000,7 +20156,7 @@
               <a:buNone/>
             </a:pPr>
             <a:r>
-              <a:rPr lang="en-US" sz="5400" b="1">
+              <a:rPr lang="en-US" sz="5400" b="1" dirty="0">
                 <a:solidFill>
                   <a:schemeClr val="dk1"/>
                 </a:solidFill>
@@ -20011,7 +20167,7 @@
               </a:rPr>
               <a:t>Thank you</a:t>
             </a:r>
-            <a:endParaRPr/>
+            <a:endParaRPr dirty="0"/>
           </a:p>
         </p:txBody>
       </p:sp>
@@ -20091,7 +20247,7 @@
               <a:buNone/>
             </a:pPr>
             <a:r>
-              <a:rPr lang="en-US" b="1">
+              <a:rPr lang="en-US" b="1" dirty="0">
                 <a:latin typeface="Times New Roman"/>
                 <a:ea typeface="Times New Roman"/>
                 <a:cs typeface="Times New Roman"/>
@@ -20099,7 +20255,7 @@
               </a:rPr>
               <a:t>Synopsis</a:t>
             </a:r>
-            <a:endParaRPr b="1">
+            <a:endParaRPr b="1" dirty="0">
               <a:latin typeface="Times New Roman"/>
               <a:ea typeface="Times New Roman"/>
               <a:cs typeface="Times New Roman"/>
@@ -20120,7 +20276,7 @@
         </p:nvSpPr>
         <p:spPr>
           <a:xfrm>
-            <a:off x="457200" y="1417638"/>
+            <a:off x="457200" y="1232107"/>
             <a:ext cx="8229600" cy="4525963"/>
           </a:xfrm>
           <a:prstGeom prst="rect">
@@ -20148,9 +20304,9 @@
                 <a:solidFill>
                   <a:schemeClr val="tx1"/>
                 </a:solidFill>
-                <a:latin typeface="Cambria" panose="02040503050406030204" pitchFamily="18" charset="0"/>
+                <a:latin typeface="Times New Roman" panose="02020603050405020304" pitchFamily="18" charset="0"/>
                 <a:ea typeface="Cambria" panose="02040503050406030204" pitchFamily="18" charset="0"/>
-                <a:cs typeface="Georgia"/>
+                <a:cs typeface="Times New Roman" panose="02020603050405020304" pitchFamily="18" charset="0"/>
                 <a:sym typeface="Georgia"/>
               </a:rPr>
               <a:t>Predicting the Stock Market has been the bane and goal of investors since its existence. Everyday billions of dollars are traded on the exchange, and behind each dollar is an investor hoping to profit in one way or another. Entire companies rise and fall daily based on the </a:t>
@@ -20160,9 +20316,9 @@
                 <a:solidFill>
                   <a:schemeClr val="tx1"/>
                 </a:solidFill>
-                <a:latin typeface="Cambria" panose="02040503050406030204" pitchFamily="18" charset="0"/>
+                <a:latin typeface="Times New Roman" panose="02020603050405020304" pitchFamily="18" charset="0"/>
                 <a:ea typeface="Cambria" panose="02040503050406030204" pitchFamily="18" charset="0"/>
-                <a:cs typeface="Georgia"/>
+                <a:cs typeface="Times New Roman" panose="02020603050405020304" pitchFamily="18" charset="0"/>
                 <a:sym typeface="Georgia"/>
               </a:rPr>
               <a:t>behavior </a:t>
@@ -20172,9 +20328,9 @@
                 <a:solidFill>
                   <a:schemeClr val="tx1"/>
                 </a:solidFill>
-                <a:latin typeface="Cambria" panose="02040503050406030204" pitchFamily="18" charset="0"/>
+                <a:latin typeface="Times New Roman" panose="02020603050405020304" pitchFamily="18" charset="0"/>
                 <a:ea typeface="Cambria" panose="02040503050406030204" pitchFamily="18" charset="0"/>
-                <a:cs typeface="Georgia"/>
+                <a:cs typeface="Times New Roman" panose="02020603050405020304" pitchFamily="18" charset="0"/>
                 <a:sym typeface="Georgia"/>
               </a:rPr>
               <a:t>of the market. Should an investor be able to accurately predict market movements, it offers a tantalizing promises of wealth and influence. In the real world, the stock market predictions can be </a:t>
@@ -20184,9 +20340,9 @@
                 <a:solidFill>
                   <a:schemeClr val="tx1"/>
                 </a:solidFill>
-                <a:latin typeface="Cambria" panose="02040503050406030204" pitchFamily="18" charset="0"/>
+                <a:latin typeface="Times New Roman" panose="02020603050405020304" pitchFamily="18" charset="0"/>
                 <a:ea typeface="Cambria" panose="02040503050406030204" pitchFamily="18" charset="0"/>
-                <a:cs typeface="Georgia"/>
+                <a:cs typeface="Times New Roman" panose="02020603050405020304" pitchFamily="18" charset="0"/>
                 <a:sym typeface="Georgia"/>
               </a:rPr>
               <a:t>categorized </a:t>
@@ -20196,9 +20352,9 @@
                 <a:solidFill>
                   <a:schemeClr val="tx1"/>
                 </a:solidFill>
-                <a:latin typeface="Cambria" panose="02040503050406030204" pitchFamily="18" charset="0"/>
+                <a:latin typeface="Times New Roman" panose="02020603050405020304" pitchFamily="18" charset="0"/>
                 <a:ea typeface="Cambria" panose="02040503050406030204" pitchFamily="18" charset="0"/>
-                <a:cs typeface="Georgia"/>
+                <a:cs typeface="Times New Roman" panose="02020603050405020304" pitchFamily="18" charset="0"/>
                 <a:sym typeface="Georgia"/>
               </a:rPr>
               <a:t>in 2 parts, Fundamental Analysis and Technical Analysis.</a:t>
@@ -20216,9 +20372,9 @@
                 <a:solidFill>
                   <a:schemeClr val="tx1"/>
                 </a:solidFill>
-                <a:latin typeface="Cambria" panose="02040503050406030204" pitchFamily="18" charset="0"/>
+                <a:latin typeface="Times New Roman" panose="02020603050405020304" pitchFamily="18" charset="0"/>
                 <a:ea typeface="Cambria" panose="02040503050406030204" pitchFamily="18" charset="0"/>
-                <a:cs typeface="Georgia"/>
+                <a:cs typeface="Times New Roman" panose="02020603050405020304" pitchFamily="18" charset="0"/>
                 <a:sym typeface="Georgia"/>
               </a:rPr>
               <a:t>In this undertaking, we will be creating a supervised machine learning model which will help us to somewhat predict the price value of stocks/security of a company i.e. </a:t>
@@ -20228,9 +20384,9 @@
                 <a:solidFill>
                   <a:schemeClr val="tx1"/>
                 </a:solidFill>
-                <a:latin typeface="Cambria" panose="02040503050406030204" pitchFamily="18" charset="0"/>
+                <a:latin typeface="Times New Roman" panose="02020603050405020304" pitchFamily="18" charset="0"/>
                 <a:ea typeface="Cambria" panose="02040503050406030204" pitchFamily="18" charset="0"/>
-                <a:cs typeface="Georgia"/>
+                <a:cs typeface="Times New Roman" panose="02020603050405020304" pitchFamily="18" charset="0"/>
                 <a:sym typeface="Georgia"/>
               </a:rPr>
               <a:t>State Bank of India</a:t>
@@ -20240,9 +20396,9 @@
                 <a:solidFill>
                   <a:schemeClr val="tx1"/>
                 </a:solidFill>
-                <a:latin typeface="Cambria" panose="02040503050406030204" pitchFamily="18" charset="0"/>
+                <a:latin typeface="Times New Roman" panose="02020603050405020304" pitchFamily="18" charset="0"/>
                 <a:ea typeface="Cambria" panose="02040503050406030204" pitchFamily="18" charset="0"/>
-                <a:cs typeface="Georgia"/>
+                <a:cs typeface="Times New Roman" panose="02020603050405020304" pitchFamily="18" charset="0"/>
                 <a:sym typeface="Georgia"/>
               </a:rPr>
               <a:t> to be specific. The Model will be using Time-Series Analysis, Time series is a set of observations or data points taken at specified time usually at equal intervals and it’s used to predict the </a:t>
@@ -20252,9 +20408,9 @@
                 <a:solidFill>
                   <a:schemeClr val="tx1"/>
                 </a:solidFill>
-                <a:latin typeface="Cambria" panose="02040503050406030204" pitchFamily="18" charset="0"/>
+                <a:latin typeface="Times New Roman" panose="02020603050405020304" pitchFamily="18" charset="0"/>
                 <a:ea typeface="Cambria" panose="02040503050406030204" pitchFamily="18" charset="0"/>
-                <a:cs typeface="Georgia"/>
+                <a:cs typeface="Times New Roman" panose="02020603050405020304" pitchFamily="18" charset="0"/>
                 <a:sym typeface="Georgia"/>
               </a:rPr>
               <a:t>future </a:t>
@@ -20264,9 +20420,9 @@
                 <a:solidFill>
                   <a:schemeClr val="tx1"/>
                 </a:solidFill>
-                <a:latin typeface="Cambria" panose="02040503050406030204" pitchFamily="18" charset="0"/>
+                <a:latin typeface="Times New Roman" panose="02020603050405020304" pitchFamily="18" charset="0"/>
                 <a:ea typeface="Cambria" panose="02040503050406030204" pitchFamily="18" charset="0"/>
-                <a:cs typeface="Georgia"/>
+                <a:cs typeface="Times New Roman" panose="02020603050405020304" pitchFamily="18" charset="0"/>
                 <a:sym typeface="Georgia"/>
               </a:rPr>
               <a:t>values based on the </a:t>
@@ -20276,9 +20432,9 @@
                 <a:solidFill>
                   <a:schemeClr val="tx1"/>
                 </a:solidFill>
-                <a:latin typeface="Cambria" panose="02040503050406030204" pitchFamily="18" charset="0"/>
+                <a:latin typeface="Times New Roman" panose="02020603050405020304" pitchFamily="18" charset="0"/>
                 <a:ea typeface="Cambria" panose="02040503050406030204" pitchFamily="18" charset="0"/>
-                <a:cs typeface="Georgia"/>
+                <a:cs typeface="Times New Roman" panose="02020603050405020304" pitchFamily="18" charset="0"/>
                 <a:sym typeface="Georgia"/>
               </a:rPr>
               <a:t>previous </a:t>
@@ -20288,9 +20444,9 @@
                 <a:solidFill>
                   <a:schemeClr val="tx1"/>
                 </a:solidFill>
-                <a:latin typeface="Cambria" panose="02040503050406030204" pitchFamily="18" charset="0"/>
+                <a:latin typeface="Times New Roman" panose="02020603050405020304" pitchFamily="18" charset="0"/>
                 <a:ea typeface="Cambria" panose="02040503050406030204" pitchFamily="18" charset="0"/>
-                <a:cs typeface="Georgia"/>
+                <a:cs typeface="Times New Roman" panose="02020603050405020304" pitchFamily="18" charset="0"/>
                 <a:sym typeface="Georgia"/>
               </a:rPr>
               <a:t>observed values.</a:t>
@@ -20314,9 +20470,9 @@
               <a:buNone/>
             </a:pPr>
             <a:endParaRPr sz="2400" dirty="0">
-              <a:latin typeface="Cambria" panose="02040503050406030204" pitchFamily="18" charset="0"/>
+              <a:latin typeface="Times New Roman" panose="02020603050405020304" pitchFamily="18" charset="0"/>
               <a:ea typeface="Cambria" panose="02040503050406030204" pitchFamily="18" charset="0"/>
-              <a:cs typeface="Times New Roman"/>
+              <a:cs typeface="Times New Roman" panose="02020603050405020304" pitchFamily="18" charset="0"/>
               <a:sym typeface="Times New Roman"/>
             </a:endParaRPr>
           </a:p>
@@ -20362,7 +20518,7 @@
             </a:pPr>
             <a:fld id="{704C6721-1F67-400E-861A-25BBCDCECF04}" type="datetime2">
               <a:rPr lang="en-US" smtClean="0"/>
-              <a:t>Wednesday, June 10, 2020</a:t>
+              <a:t>Wednesday, June 17, 2020</a:t>
             </a:fld>
             <a:endParaRPr dirty="0"/>
           </a:p>
@@ -20504,7 +20660,7 @@
               <a:buNone/>
             </a:pPr>
             <a:r>
-              <a:rPr lang="en-US" b="1">
+              <a:rPr lang="en-US" b="1" dirty="0">
                 <a:latin typeface="Times New Roman"/>
                 <a:ea typeface="Times New Roman"/>
                 <a:cs typeface="Times New Roman"/>
@@ -20512,7 +20668,7 @@
               </a:rPr>
               <a:t>Goal</a:t>
             </a:r>
-            <a:endParaRPr b="1">
+            <a:endParaRPr b="1" dirty="0">
               <a:latin typeface="Times New Roman"/>
               <a:ea typeface="Times New Roman"/>
               <a:cs typeface="Times New Roman"/>
@@ -20562,9 +20718,9 @@
                 <a:solidFill>
                   <a:srgbClr val="000000"/>
                 </a:solidFill>
-                <a:latin typeface="Cambria" panose="02040503050406030204" pitchFamily="18" charset="0"/>
+                <a:latin typeface="Times New Roman" panose="02020603050405020304" pitchFamily="18" charset="0"/>
                 <a:ea typeface="Cambria" panose="02040503050406030204" pitchFamily="18" charset="0"/>
-                <a:cs typeface="Georgia"/>
+                <a:cs typeface="Times New Roman" panose="02020603050405020304" pitchFamily="18" charset="0"/>
                 <a:sym typeface="Georgia"/>
               </a:rPr>
               <a:t>The </a:t>
@@ -20574,9 +20730,9 @@
                 <a:solidFill>
                   <a:srgbClr val="000000"/>
                 </a:solidFill>
-                <a:latin typeface="Cambria" panose="02040503050406030204" pitchFamily="18" charset="0"/>
+                <a:latin typeface="Times New Roman" panose="02020603050405020304" pitchFamily="18" charset="0"/>
                 <a:ea typeface="Cambria" panose="02040503050406030204" pitchFamily="18" charset="0"/>
-                <a:cs typeface="Georgia"/>
+                <a:cs typeface="Times New Roman" panose="02020603050405020304" pitchFamily="18" charset="0"/>
                 <a:sym typeface="Georgia"/>
               </a:rPr>
               <a:t>Chief goal of this project is to add to the academic understanding of stock market prediction. </a:t>
@@ -20585,9 +20741,9 @@
               <a:solidFill>
                 <a:srgbClr val="000000"/>
               </a:solidFill>
-              <a:latin typeface="Cambria" panose="02040503050406030204" pitchFamily="18" charset="0"/>
+              <a:latin typeface="Times New Roman" panose="02020603050405020304" pitchFamily="18" charset="0"/>
               <a:ea typeface="Cambria" panose="02040503050406030204" pitchFamily="18" charset="0"/>
-              <a:cs typeface="Georgia"/>
+              <a:cs typeface="Times New Roman" panose="02020603050405020304" pitchFamily="18" charset="0"/>
               <a:sym typeface="Georgia"/>
             </a:endParaRPr>
           </a:p>
@@ -20608,9 +20764,9 @@
                 <a:solidFill>
                   <a:srgbClr val="000000"/>
                 </a:solidFill>
-                <a:latin typeface="Cambria" panose="02040503050406030204" pitchFamily="18" charset="0"/>
+                <a:latin typeface="Times New Roman" panose="02020603050405020304" pitchFamily="18" charset="0"/>
                 <a:ea typeface="Cambria" panose="02040503050406030204" pitchFamily="18" charset="0"/>
-                <a:cs typeface="Georgia"/>
+                <a:cs typeface="Times New Roman" panose="02020603050405020304" pitchFamily="18" charset="0"/>
                 <a:sym typeface="Georgia"/>
               </a:rPr>
               <a:t>This </a:t>
@@ -20620,9 +20776,9 @@
                 <a:solidFill>
                   <a:srgbClr val="000000"/>
                 </a:solidFill>
-                <a:latin typeface="Cambria" panose="02040503050406030204" pitchFamily="18" charset="0"/>
+                <a:latin typeface="Times New Roman" panose="02020603050405020304" pitchFamily="18" charset="0"/>
                 <a:ea typeface="Cambria" panose="02040503050406030204" pitchFamily="18" charset="0"/>
-                <a:cs typeface="Georgia"/>
+                <a:cs typeface="Times New Roman" panose="02020603050405020304" pitchFamily="18" charset="0"/>
                 <a:sym typeface="Georgia"/>
               </a:rPr>
               <a:t>project will focus exclusively on predicting the daily trend (price movement) of individual stocks. </a:t>
@@ -20631,9 +20787,9 @@
               <a:solidFill>
                 <a:srgbClr val="000000"/>
               </a:solidFill>
-              <a:latin typeface="Cambria" panose="02040503050406030204" pitchFamily="18" charset="0"/>
+              <a:latin typeface="Times New Roman" panose="02020603050405020304" pitchFamily="18" charset="0"/>
               <a:ea typeface="Cambria" panose="02040503050406030204" pitchFamily="18" charset="0"/>
-              <a:cs typeface="Georgia"/>
+              <a:cs typeface="Times New Roman" panose="02020603050405020304" pitchFamily="18" charset="0"/>
               <a:sym typeface="Georgia"/>
             </a:endParaRPr>
           </a:p>
@@ -20654,9 +20810,9 @@
                 <a:solidFill>
                   <a:srgbClr val="000000"/>
                 </a:solidFill>
-                <a:latin typeface="Cambria" panose="02040503050406030204" pitchFamily="18" charset="0"/>
+                <a:latin typeface="Times New Roman" panose="02020603050405020304" pitchFamily="18" charset="0"/>
                 <a:ea typeface="Cambria" panose="02040503050406030204" pitchFamily="18" charset="0"/>
-                <a:cs typeface="Georgia"/>
+                <a:cs typeface="Times New Roman" panose="02020603050405020304" pitchFamily="18" charset="0"/>
                 <a:sym typeface="Georgia"/>
               </a:rPr>
               <a:t>The </a:t>
@@ -20666,9 +20822,9 @@
                 <a:solidFill>
                   <a:srgbClr val="000000"/>
                 </a:solidFill>
-                <a:latin typeface="Cambria" panose="02040503050406030204" pitchFamily="18" charset="0"/>
+                <a:latin typeface="Times New Roman" panose="02020603050405020304" pitchFamily="18" charset="0"/>
                 <a:ea typeface="Cambria" panose="02040503050406030204" pitchFamily="18" charset="0"/>
-                <a:cs typeface="Georgia"/>
+                <a:cs typeface="Times New Roman" panose="02020603050405020304" pitchFamily="18" charset="0"/>
                 <a:sym typeface="Georgia"/>
               </a:rPr>
               <a:t>project will </a:t>
@@ -20678,9 +20834,9 @@
                 <a:solidFill>
                   <a:srgbClr val="000000"/>
                 </a:solidFill>
-                <a:latin typeface="Cambria" panose="02040503050406030204" pitchFamily="18" charset="0"/>
+                <a:latin typeface="Times New Roman" panose="02020603050405020304" pitchFamily="18" charset="0"/>
                 <a:ea typeface="Cambria" panose="02040503050406030204" pitchFamily="18" charset="0"/>
-                <a:cs typeface="Georgia"/>
+                <a:cs typeface="Times New Roman" panose="02020603050405020304" pitchFamily="18" charset="0"/>
                 <a:sym typeface="Georgia"/>
               </a:rPr>
               <a:t>also analyze </a:t>
@@ -20690,9 +20846,9 @@
                 <a:solidFill>
                   <a:srgbClr val="000000"/>
                 </a:solidFill>
-                <a:latin typeface="Cambria" panose="02040503050406030204" pitchFamily="18" charset="0"/>
+                <a:latin typeface="Times New Roman" panose="02020603050405020304" pitchFamily="18" charset="0"/>
                 <a:ea typeface="Cambria" panose="02040503050406030204" pitchFamily="18" charset="0"/>
-                <a:cs typeface="Georgia"/>
+                <a:cs typeface="Times New Roman" panose="02020603050405020304" pitchFamily="18" charset="0"/>
                 <a:sym typeface="Georgia"/>
               </a:rPr>
               <a:t>the accuracies of these predictions</a:t>
@@ -20702,16 +20858,17 @@
                 <a:solidFill>
                   <a:srgbClr val="000000"/>
                 </a:solidFill>
-                <a:latin typeface="Cambria" panose="02040503050406030204" pitchFamily="18" charset="0"/>
+                <a:latin typeface="Times New Roman" panose="02020603050405020304" pitchFamily="18" charset="0"/>
                 <a:ea typeface="Cambria" panose="02040503050406030204" pitchFamily="18" charset="0"/>
-                <a:cs typeface="Georgia"/>
+                <a:cs typeface="Times New Roman" panose="02020603050405020304" pitchFamily="18" charset="0"/>
                 <a:sym typeface="Georgia"/>
               </a:rPr>
               <a:t>.</a:t>
             </a:r>
             <a:endParaRPr lang="en-US" sz="2400" dirty="0">
-              <a:latin typeface="Cambria" panose="02040503050406030204" pitchFamily="18" charset="0"/>
+              <a:latin typeface="Times New Roman" panose="02020603050405020304" pitchFamily="18" charset="0"/>
               <a:ea typeface="Cambria" panose="02040503050406030204" pitchFamily="18" charset="0"/>
+              <a:cs typeface="Times New Roman" panose="02020603050405020304" pitchFamily="18" charset="0"/>
             </a:endParaRPr>
           </a:p>
         </p:txBody>
@@ -20802,7 +20959,7 @@
             </a:pPr>
             <a:fld id="{BD40A27F-5B05-410B-95AF-5C878A6D7A95}" type="datetime2">
               <a:rPr lang="en-US" smtClean="0"/>
-              <a:t>Wednesday, June 10, 2020</a:t>
+              <a:t>Wednesday, June 17, 2020</a:t>
             </a:fld>
             <a:endParaRPr/>
           </a:p>
@@ -21683,7 +21840,7 @@
           <a:p>
             <a:fld id="{665D7C35-1955-4046-8E31-EC0C74B7F953}" type="datetime2">
               <a:rPr lang="en-US" smtClean="0"/>
-              <a:t>Wednesday, June 10, 2020</a:t>
+              <a:t>Wednesday, June 17, 2020</a:t>
             </a:fld>
             <a:endParaRPr lang="en-US"/>
           </a:p>
@@ -22027,7 +22184,7 @@
             </a:pPr>
             <a:fld id="{1B37C966-C8E3-49DC-8172-A8AC17B65342}" type="datetime2">
               <a:rPr lang="en-US" smtClean="0"/>
-              <a:t>Wednesday, June 10, 2020</a:t>
+              <a:t>Wednesday, June 17, 2020</a:t>
             </a:fld>
             <a:endParaRPr/>
           </a:p>
@@ -22308,7 +22465,7 @@
               <a:buNone/>
             </a:pPr>
             <a:r>
-              <a:rPr lang="en-US" b="1">
+              <a:rPr lang="en-US" b="1" dirty="0">
                 <a:latin typeface="Times New Roman"/>
                 <a:ea typeface="Times New Roman"/>
                 <a:cs typeface="Times New Roman"/>
@@ -22316,7 +22473,7 @@
               </a:rPr>
               <a:t>Schedule</a:t>
             </a:r>
-            <a:endParaRPr b="1">
+            <a:endParaRPr b="1" dirty="0">
               <a:latin typeface="Times New Roman"/>
               <a:ea typeface="Times New Roman"/>
               <a:cs typeface="Times New Roman"/>
@@ -22367,9 +22524,9 @@
             </a:pPr>
             <a:r>
               <a:rPr lang="en-US" sz="2000" dirty="0">
-                <a:latin typeface="Cambria" panose="02040503050406030204" pitchFamily="18" charset="0"/>
+                <a:latin typeface="Times New Roman" panose="02020603050405020304" pitchFamily="18" charset="0"/>
                 <a:ea typeface="Cambria" panose="02040503050406030204" pitchFamily="18" charset="0"/>
-                <a:cs typeface="Georgia"/>
+                <a:cs typeface="Times New Roman" panose="02020603050405020304" pitchFamily="18" charset="0"/>
                 <a:sym typeface="Georgia"/>
               </a:rPr>
               <a:t>Study of Basics of Time-Series Analysis and Fundamentals of Trading</a:t>
@@ -22389,9 +22546,9 @@
             </a:pPr>
             <a:r>
               <a:rPr lang="en-US" sz="2000" dirty="0">
-                <a:latin typeface="Cambria" panose="02040503050406030204" pitchFamily="18" charset="0"/>
+                <a:latin typeface="Times New Roman" panose="02020603050405020304" pitchFamily="18" charset="0"/>
                 <a:ea typeface="Cambria" panose="02040503050406030204" pitchFamily="18" charset="0"/>
-                <a:cs typeface="Georgia"/>
+                <a:cs typeface="Times New Roman" panose="02020603050405020304" pitchFamily="18" charset="0"/>
                 <a:sym typeface="Georgia"/>
               </a:rPr>
               <a:t>Collecting of Dataset and Data-set Pre-Processing &amp; Normalization</a:t>
@@ -22411,9 +22568,9 @@
             </a:pPr>
             <a:r>
               <a:rPr lang="en-US" sz="2000" dirty="0">
-                <a:latin typeface="Cambria" panose="02040503050406030204" pitchFamily="18" charset="0"/>
+                <a:latin typeface="Times New Roman" panose="02020603050405020304" pitchFamily="18" charset="0"/>
                 <a:ea typeface="Cambria" panose="02040503050406030204" pitchFamily="18" charset="0"/>
-                <a:cs typeface="Georgia"/>
+                <a:cs typeface="Times New Roman" panose="02020603050405020304" pitchFamily="18" charset="0"/>
                 <a:sym typeface="Georgia"/>
               </a:rPr>
               <a:t>Study of Different Time-Series Models and Selection of Model</a:t>
@@ -22433,9 +22590,9 @@
             </a:pPr>
             <a:r>
               <a:rPr lang="en-US" sz="2000" dirty="0">
-                <a:latin typeface="Cambria" panose="02040503050406030204" pitchFamily="18" charset="0"/>
+                <a:latin typeface="Times New Roman" panose="02020603050405020304" pitchFamily="18" charset="0"/>
                 <a:ea typeface="Cambria" panose="02040503050406030204" pitchFamily="18" charset="0"/>
-                <a:cs typeface="Georgia"/>
+                <a:cs typeface="Times New Roman" panose="02020603050405020304" pitchFamily="18" charset="0"/>
                 <a:sym typeface="Georgia"/>
               </a:rPr>
               <a:t>Study of the Mathematical concepts behind the model</a:t>
@@ -22455,9 +22612,9 @@
             </a:pPr>
             <a:r>
               <a:rPr lang="en-US" sz="2000" dirty="0">
-                <a:latin typeface="Cambria" panose="02040503050406030204" pitchFamily="18" charset="0"/>
+                <a:latin typeface="Times New Roman" panose="02020603050405020304" pitchFamily="18" charset="0"/>
                 <a:ea typeface="Cambria" panose="02040503050406030204" pitchFamily="18" charset="0"/>
-                <a:cs typeface="Georgia"/>
+                <a:cs typeface="Times New Roman" panose="02020603050405020304" pitchFamily="18" charset="0"/>
                 <a:sym typeface="Georgia"/>
               </a:rPr>
               <a:t>Creation of Model using python and various python libraries as well as studying the various functions used in the model</a:t>
@@ -22477,9 +22634,9 @@
             </a:pPr>
             <a:r>
               <a:rPr lang="en-US" sz="2000" dirty="0">
-                <a:latin typeface="Cambria" panose="02040503050406030204" pitchFamily="18" charset="0"/>
+                <a:latin typeface="Times New Roman" panose="02020603050405020304" pitchFamily="18" charset="0"/>
                 <a:ea typeface="Cambria" panose="02040503050406030204" pitchFamily="18" charset="0"/>
-                <a:cs typeface="Georgia"/>
+                <a:cs typeface="Times New Roman" panose="02020603050405020304" pitchFamily="18" charset="0"/>
                 <a:sym typeface="Georgia"/>
               </a:rPr>
               <a:t>Training and Testing of the Model</a:t>
@@ -22499,9 +22656,9 @@
             </a:pPr>
             <a:r>
               <a:rPr lang="en-US" sz="2000" dirty="0">
-                <a:latin typeface="Cambria" panose="02040503050406030204" pitchFamily="18" charset="0"/>
+                <a:latin typeface="Times New Roman" panose="02020603050405020304" pitchFamily="18" charset="0"/>
                 <a:ea typeface="Cambria" panose="02040503050406030204" pitchFamily="18" charset="0"/>
-                <a:cs typeface="Georgia"/>
+                <a:cs typeface="Times New Roman" panose="02020603050405020304" pitchFamily="18" charset="0"/>
                 <a:sym typeface="Georgia"/>
               </a:rPr>
               <a:t>Prediction of Stock Market Prices and Validation</a:t>
@@ -22518,26 +22675,26 @@
             </a:pPr>
             <a:r>
               <a:rPr lang="en-US" sz="2000" dirty="0">
-                <a:latin typeface="Cambria" panose="02040503050406030204" pitchFamily="18" charset="0"/>
+                <a:latin typeface="Times New Roman" panose="02020603050405020304" pitchFamily="18" charset="0"/>
                 <a:ea typeface="Cambria" panose="02040503050406030204" pitchFamily="18" charset="0"/>
-                <a:cs typeface="Georgia"/>
+                <a:cs typeface="Times New Roman" panose="02020603050405020304" pitchFamily="18" charset="0"/>
                 <a:sym typeface="Georgia"/>
               </a:rPr>
               <a:t>Final Project Report and </a:t>
             </a:r>
             <a:r>
               <a:rPr lang="en-US" sz="2000" dirty="0" smtClean="0">
-                <a:latin typeface="Cambria" panose="02040503050406030204" pitchFamily="18" charset="0"/>
+                <a:latin typeface="Times New Roman" panose="02020603050405020304" pitchFamily="18" charset="0"/>
                 <a:ea typeface="Cambria" panose="02040503050406030204" pitchFamily="18" charset="0"/>
-                <a:cs typeface="Georgia"/>
+                <a:cs typeface="Times New Roman" panose="02020603050405020304" pitchFamily="18" charset="0"/>
                 <a:sym typeface="Georgia"/>
               </a:rPr>
               <a:t>Submission</a:t>
             </a:r>
             <a:endParaRPr lang="en-US" sz="2000" dirty="0">
-              <a:latin typeface="Cambria" panose="02040503050406030204" pitchFamily="18" charset="0"/>
+              <a:latin typeface="Times New Roman" panose="02020603050405020304" pitchFamily="18" charset="0"/>
               <a:ea typeface="Cambria" panose="02040503050406030204" pitchFamily="18" charset="0"/>
-              <a:cs typeface="Georgia"/>
+              <a:cs typeface="Times New Roman" panose="02020603050405020304" pitchFamily="18" charset="0"/>
               <a:sym typeface="Georgia"/>
             </a:endParaRPr>
           </a:p>
@@ -22583,7 +22740,7 @@
             </a:pPr>
             <a:fld id="{A25D89A6-5438-433F-B207-97557CB9BBF5}" type="datetime2">
               <a:rPr lang="en-US" smtClean="0"/>
-              <a:t>Wednesday, June 10, 2020</a:t>
+              <a:t>Wednesday, June 17, 2020</a:t>
             </a:fld>
             <a:endParaRPr/>
           </a:p>
@@ -22798,14 +22955,16 @@
             </a:pPr>
             <a:r>
               <a:rPr lang="en-US" sz="2300" dirty="0">
-                <a:latin typeface="Cambria" panose="02040503050406030204" pitchFamily="18" charset="0"/>
+                <a:latin typeface="Times New Roman" panose="02020603050405020304" pitchFamily="18" charset="0"/>
                 <a:ea typeface="Cambria" panose="02040503050406030204" pitchFamily="18" charset="0"/>
+                <a:cs typeface="Times New Roman" panose="02020603050405020304" pitchFamily="18" charset="0"/>
               </a:rPr>
               <a:t>A time frame indicating steps that will be required and the expected date when they will be completed.</a:t>
             </a:r>
             <a:endParaRPr sz="2300" dirty="0">
-              <a:latin typeface="Cambria" panose="02040503050406030204" pitchFamily="18" charset="0"/>
+              <a:latin typeface="Times New Roman" panose="02020603050405020304" pitchFamily="18" charset="0"/>
               <a:ea typeface="Cambria" panose="02040503050406030204" pitchFamily="18" charset="0"/>
+              <a:cs typeface="Times New Roman" panose="02020603050405020304" pitchFamily="18" charset="0"/>
             </a:endParaRPr>
           </a:p>
           <a:p>
@@ -22826,8 +22985,9 @@
               <a:buNone/>
             </a:pPr>
             <a:endParaRPr sz="2300" dirty="0">
-              <a:latin typeface="Cambria" panose="02040503050406030204" pitchFamily="18" charset="0"/>
+              <a:latin typeface="Times New Roman" panose="02020603050405020304" pitchFamily="18" charset="0"/>
               <a:ea typeface="Cambria" panose="02040503050406030204" pitchFamily="18" charset="0"/>
+              <a:cs typeface="Times New Roman" panose="02020603050405020304" pitchFamily="18" charset="0"/>
             </a:endParaRPr>
           </a:p>
           <a:p>
@@ -22845,9 +23005,9 @@
               <a:buNone/>
             </a:pPr>
             <a:endParaRPr sz="2300" dirty="0">
-              <a:latin typeface="Cambria" panose="02040503050406030204" pitchFamily="18" charset="0"/>
+              <a:latin typeface="Times New Roman" panose="02020603050405020304" pitchFamily="18" charset="0"/>
               <a:ea typeface="Cambria" panose="02040503050406030204" pitchFamily="18" charset="0"/>
-              <a:cs typeface="Times New Roman"/>
+              <a:cs typeface="Times New Roman" panose="02020603050405020304" pitchFamily="18" charset="0"/>
               <a:sym typeface="Times New Roman"/>
             </a:endParaRPr>
           </a:p>
@@ -23032,10 +23192,16 @@
           <a:lstStyle/>
           <a:p>
             <a:r>
-              <a:rPr lang="en-IN" dirty="0" smtClean="0"/>
+              <a:rPr lang="en-IN" dirty="0" smtClean="0">
+                <a:latin typeface="Times New Roman" panose="02020603050405020304" pitchFamily="18" charset="0"/>
+                <a:cs typeface="Times New Roman" panose="02020603050405020304" pitchFamily="18" charset="0"/>
+              </a:rPr>
               <a:t>Fundamentals of Trading</a:t>
             </a:r>
-            <a:endParaRPr lang="en-IN" dirty="0"/>
+            <a:endParaRPr lang="en-IN" dirty="0">
+              <a:latin typeface="Times New Roman" panose="02020603050405020304" pitchFamily="18" charset="0"/>
+              <a:cs typeface="Times New Roman" panose="02020603050405020304" pitchFamily="18" charset="0"/>
+            </a:endParaRPr>
           </a:p>
         </p:txBody>
       </p:sp>
@@ -23056,7 +23222,7 @@
           <a:p>
             <a:fld id="{E580708D-5BE8-485F-83A8-70647A23E1F7}" type="datetime2">
               <a:rPr lang="en-US" smtClean="0"/>
-              <a:t>Wednesday, June 10, 2020</a:t>
+              <a:t>Wednesday, June 17, 2020</a:t>
             </a:fld>
             <a:endParaRPr lang="en-US"/>
           </a:p>
@@ -23150,7 +23316,7 @@
         <p:spPr>
           <a:xfrm>
             <a:off x="457200" y="4801046"/>
-            <a:ext cx="8229600" cy="1200329"/>
+            <a:ext cx="8229600" cy="923330"/>
           </a:xfrm>
           <a:prstGeom prst="rect">
             <a:avLst/>
@@ -23166,35 +23332,40 @@
             <a:pPr algn="just"/>
             <a:r>
               <a:rPr lang="en-IN" sz="1800" dirty="0">
-                <a:latin typeface="Cambria" panose="02040503050406030204" pitchFamily="18" charset="0"/>
+                <a:latin typeface="Times New Roman" panose="02020603050405020304" pitchFamily="18" charset="0"/>
                 <a:ea typeface="Cambria" panose="02040503050406030204" pitchFamily="18" charset="0"/>
+                <a:cs typeface="Times New Roman" panose="02020603050405020304" pitchFamily="18" charset="0"/>
               </a:rPr>
               <a:t>In the above </a:t>
             </a:r>
             <a:r>
               <a:rPr lang="en-IN" sz="1800" dirty="0" smtClean="0">
-                <a:latin typeface="Cambria" panose="02040503050406030204" pitchFamily="18" charset="0"/>
+                <a:latin typeface="Times New Roman" panose="02020603050405020304" pitchFamily="18" charset="0"/>
                 <a:ea typeface="Cambria" panose="02040503050406030204" pitchFamily="18" charset="0"/>
+                <a:cs typeface="Times New Roman" panose="02020603050405020304" pitchFamily="18" charset="0"/>
               </a:rPr>
               <a:t>graph, we </a:t>
             </a:r>
             <a:r>
               <a:rPr lang="en-IN" sz="1800" dirty="0">
-                <a:latin typeface="Cambria" panose="02040503050406030204" pitchFamily="18" charset="0"/>
+                <a:latin typeface="Times New Roman" panose="02020603050405020304" pitchFamily="18" charset="0"/>
                 <a:ea typeface="Cambria" panose="02040503050406030204" pitchFamily="18" charset="0"/>
+                <a:cs typeface="Times New Roman" panose="02020603050405020304" pitchFamily="18" charset="0"/>
               </a:rPr>
               <a:t>see a peculiar representation technique being used which is known as a candlestick, a candlestick is a type of price chart used in technical analysis that displays the high, low, open, and closing prices of a security for a specific period</a:t>
             </a:r>
             <a:r>
               <a:rPr lang="en-IN" sz="1800" dirty="0" smtClean="0">
-                <a:latin typeface="Cambria" panose="02040503050406030204" pitchFamily="18" charset="0"/>
+                <a:latin typeface="Times New Roman" panose="02020603050405020304" pitchFamily="18" charset="0"/>
                 <a:ea typeface="Cambria" panose="02040503050406030204" pitchFamily="18" charset="0"/>
+                <a:cs typeface="Times New Roman" panose="02020603050405020304" pitchFamily="18" charset="0"/>
               </a:rPr>
               <a:t>.</a:t>
             </a:r>
             <a:endParaRPr lang="en-IN" sz="1800" dirty="0">
-              <a:latin typeface="Cambria" panose="02040503050406030204" pitchFamily="18" charset="0"/>
+              <a:latin typeface="Times New Roman" panose="02020603050405020304" pitchFamily="18" charset="0"/>
               <a:ea typeface="Cambria" panose="02040503050406030204" pitchFamily="18" charset="0"/>
+              <a:cs typeface="Times New Roman" panose="02020603050405020304" pitchFamily="18" charset="0"/>
             </a:endParaRPr>
           </a:p>
         </p:txBody>
